--- a/secure-coding/slides/delivery/13__Consul.pptx
+++ b/secure-coding/slides/delivery/13__Consul.pptx
@@ -1,59 +1,59 @@
 
 <file path=ppt/presentation.xml><?xml version="1.0" encoding="utf-8"?>
-<p:presentation xmlns:a="http://schemas.openxmlformats.org/drawingml/2006/main" xmlns:r="http://schemas.openxmlformats.org/officeDocument/2006/relationships" xmlns:p="http://schemas.openxmlformats.org/presentationml/2006/main" showSpecialPlsOnTitleSld="0" saveSubsetFonts="1" autoCompressPictures="0">
+<p:presentation xmlns:a="http://schemas.openxmlformats.org/drawingml/2006/main" xmlns:r="http://schemas.openxmlformats.org/officeDocument/2006/relationships" xmlns:p="http://schemas.openxmlformats.org/presentationml/2006/main" showSpecialPlsOnTitleSld="0" autoCompressPictures="0">
   <p:sldMasterIdLst>
-    <p:sldMasterId id="2147483651" r:id="rId1"/>
+    <p:sldMasterId id="2147483648" r:id="rId1"/>
   </p:sldMasterIdLst>
   <p:notesMasterIdLst>
-    <p:notesMasterId r:id="rId2"/>
+    <p:notesMasterId r:id="rId6"/>
   </p:notesMasterIdLst>
   <p:handoutMasterIdLst>
-    <p:handoutMasterId r:id="rId3"/>
+    <p:handoutMasterId r:id="rId45"/>
   </p:handoutMasterIdLst>
   <p:sldIdLst>
-    <p:sldId id="256" r:id="rId9"/>
-    <p:sldId id="257" r:id="rId10"/>
-    <p:sldId id="258" r:id="rId11"/>
-    <p:sldId id="259" r:id="rId12"/>
-    <p:sldId id="260" r:id="rId13"/>
-    <p:sldId id="261" r:id="rId14"/>
-    <p:sldId id="262" r:id="rId15"/>
-    <p:sldId id="263" r:id="rId16"/>
-    <p:sldId id="264" r:id="rId17"/>
-    <p:sldId id="265" r:id="rId18"/>
-    <p:sldId id="266" r:id="rId19"/>
-    <p:sldId id="267" r:id="rId20"/>
-    <p:sldId id="268" r:id="rId21"/>
-    <p:sldId id="269" r:id="rId22"/>
-    <p:sldId id="270" r:id="rId23"/>
-    <p:sldId id="271" r:id="rId24"/>
-    <p:sldId id="272" r:id="rId25"/>
-    <p:sldId id="273" r:id="rId26"/>
-    <p:sldId id="274" r:id="rId27"/>
-    <p:sldId id="275" r:id="rId28"/>
-    <p:sldId id="276" r:id="rId29"/>
-    <p:sldId id="277" r:id="rId30"/>
-    <p:sldId id="278" r:id="rId31"/>
-    <p:sldId id="279" r:id="rId32"/>
-    <p:sldId id="280" r:id="rId33"/>
-    <p:sldId id="281" r:id="rId34"/>
-    <p:sldId id="282" r:id="rId35"/>
-    <p:sldId id="283" r:id="rId36"/>
-    <p:sldId id="284" r:id="rId37"/>
-    <p:sldId id="285" r:id="rId38"/>
-    <p:sldId id="286" r:id="rId39"/>
-    <p:sldId id="287" r:id="rId40"/>
-    <p:sldId id="288" r:id="rId41"/>
-    <p:sldId id="289" r:id="rId42"/>
-    <p:sldId id="290" r:id="rId43"/>
-    <p:sldId id="291" r:id="rId44"/>
-    <p:sldId id="292" r:id="rId45"/>
-    <p:sldId id="293" r:id="rId46"/>
-    <p:sldId id="294" r:id="rId47"/>
-    <p:sldId id="295" r:id="rId48"/>
-    <p:sldId id="296" r:id="rId49"/>
+    <p:sldId id="256" r:id="rId3"/>
+    <p:sldId id="257" r:id="rId4"/>
+    <p:sldId id="258" r:id="rId5"/>
+    <p:sldId id="259" r:id="rId7"/>
+    <p:sldId id="260" r:id="rId8"/>
+    <p:sldId id="261" r:id="rId9"/>
+    <p:sldId id="262" r:id="rId10"/>
+    <p:sldId id="263" r:id="rId11"/>
+    <p:sldId id="264" r:id="rId12"/>
+    <p:sldId id="265" r:id="rId13"/>
+    <p:sldId id="266" r:id="rId14"/>
+    <p:sldId id="267" r:id="rId15"/>
+    <p:sldId id="268" r:id="rId16"/>
+    <p:sldId id="269" r:id="rId17"/>
+    <p:sldId id="270" r:id="rId18"/>
+    <p:sldId id="271" r:id="rId19"/>
+    <p:sldId id="272" r:id="rId20"/>
+    <p:sldId id="273" r:id="rId21"/>
+    <p:sldId id="274" r:id="rId22"/>
+    <p:sldId id="275" r:id="rId23"/>
+    <p:sldId id="276" r:id="rId24"/>
+    <p:sldId id="277" r:id="rId25"/>
+    <p:sldId id="278" r:id="rId26"/>
+    <p:sldId id="279" r:id="rId27"/>
+    <p:sldId id="280" r:id="rId28"/>
+    <p:sldId id="281" r:id="rId29"/>
+    <p:sldId id="282" r:id="rId30"/>
+    <p:sldId id="283" r:id="rId31"/>
+    <p:sldId id="284" r:id="rId32"/>
+    <p:sldId id="285" r:id="rId33"/>
+    <p:sldId id="286" r:id="rId34"/>
+    <p:sldId id="287" r:id="rId35"/>
+    <p:sldId id="288" r:id="rId36"/>
+    <p:sldId id="289" r:id="rId37"/>
+    <p:sldId id="290" r:id="rId38"/>
+    <p:sldId id="291" r:id="rId39"/>
+    <p:sldId id="292" r:id="rId40"/>
+    <p:sldId id="293" r:id="rId41"/>
+    <p:sldId id="294" r:id="rId42"/>
+    <p:sldId id="295" r:id="rId43"/>
+    <p:sldId id="296" r:id="rId44"/>
   </p:sldIdLst>
-  <p:sldSz cx="9372600" cy="8297863"/>
+  <p:sldSz cx="9372600" cy="8297545"/>
   <p:notesSz cx="7315200" cy="9601200"/>
   <p:defaultTextStyle>
     <a:defPPr>
@@ -71,8 +71,8 @@
           <a:schemeClr val="tx1"/>
         </a:solidFill>
         <a:latin typeface="Garamond" pitchFamily="18" charset="0"/>
-        <a:ea typeface="ＭＳ Ｐゴシック"/>
-        <a:cs typeface="ＭＳ Ｐゴシック"/>
+        <a:ea typeface="MS PGothic"/>
+        <a:cs typeface="MS PGothic"/>
       </a:defRPr>
     </a:lvl1pPr>
     <a:lvl2pPr marL="457200" algn="l" rtl="0" fontAlgn="base">
@@ -87,8 +87,8 @@
           <a:schemeClr val="tx1"/>
         </a:solidFill>
         <a:latin typeface="Garamond" pitchFamily="18" charset="0"/>
-        <a:ea typeface="ＭＳ Ｐゴシック"/>
-        <a:cs typeface="ＭＳ Ｐゴシック"/>
+        <a:ea typeface="MS PGothic"/>
+        <a:cs typeface="MS PGothic"/>
       </a:defRPr>
     </a:lvl2pPr>
     <a:lvl3pPr marL="914400" algn="l" rtl="0" fontAlgn="base">
@@ -103,8 +103,8 @@
           <a:schemeClr val="tx1"/>
         </a:solidFill>
         <a:latin typeface="Garamond" pitchFamily="18" charset="0"/>
-        <a:ea typeface="ＭＳ Ｐゴシック"/>
-        <a:cs typeface="ＭＳ Ｐゴシック"/>
+        <a:ea typeface="MS PGothic"/>
+        <a:cs typeface="MS PGothic"/>
       </a:defRPr>
     </a:lvl3pPr>
     <a:lvl4pPr marL="1371600" algn="l" rtl="0" fontAlgn="base">
@@ -119,8 +119,8 @@
           <a:schemeClr val="tx1"/>
         </a:solidFill>
         <a:latin typeface="Garamond" pitchFamily="18" charset="0"/>
-        <a:ea typeface="ＭＳ Ｐゴシック"/>
-        <a:cs typeface="ＭＳ Ｐゴシック"/>
+        <a:ea typeface="MS PGothic"/>
+        <a:cs typeface="MS PGothic"/>
       </a:defRPr>
     </a:lvl4pPr>
     <a:lvl5pPr marL="1828800" algn="l" rtl="0" fontAlgn="base">
@@ -135,8 +135,8 @@
           <a:schemeClr val="tx1"/>
         </a:solidFill>
         <a:latin typeface="Garamond" pitchFamily="18" charset="0"/>
-        <a:ea typeface="ＭＳ Ｐゴシック"/>
-        <a:cs typeface="ＭＳ Ｐゴシック"/>
+        <a:ea typeface="MS PGothic"/>
+        <a:cs typeface="MS PGothic"/>
       </a:defRPr>
     </a:lvl5pPr>
     <a:lvl6pPr marL="2286000" algn="l" defTabSz="914400" rtl="0" eaLnBrk="1" latinLnBrk="0" hangingPunct="1">
@@ -145,8 +145,8 @@
           <a:schemeClr val="tx1"/>
         </a:solidFill>
         <a:latin typeface="Garamond" pitchFamily="18" charset="0"/>
-        <a:ea typeface="ＭＳ Ｐゴシック"/>
-        <a:cs typeface="ＭＳ Ｐゴシック"/>
+        <a:ea typeface="MS PGothic"/>
+        <a:cs typeface="MS PGothic"/>
       </a:defRPr>
     </a:lvl6pPr>
     <a:lvl7pPr marL="2743200" algn="l" defTabSz="914400" rtl="0" eaLnBrk="1" latinLnBrk="0" hangingPunct="1">
@@ -155,8 +155,8 @@
           <a:schemeClr val="tx1"/>
         </a:solidFill>
         <a:latin typeface="Garamond" pitchFamily="18" charset="0"/>
-        <a:ea typeface="ＭＳ Ｐゴシック"/>
-        <a:cs typeface="ＭＳ Ｐゴシック"/>
+        <a:ea typeface="MS PGothic"/>
+        <a:cs typeface="MS PGothic"/>
       </a:defRPr>
     </a:lvl7pPr>
     <a:lvl8pPr marL="3200400" algn="l" defTabSz="914400" rtl="0" eaLnBrk="1" latinLnBrk="0" hangingPunct="1">
@@ -165,8 +165,8 @@
           <a:schemeClr val="tx1"/>
         </a:solidFill>
         <a:latin typeface="Garamond" pitchFamily="18" charset="0"/>
-        <a:ea typeface="ＭＳ Ｐゴシック"/>
-        <a:cs typeface="ＭＳ Ｐゴシック"/>
+        <a:ea typeface="MS PGothic"/>
+        <a:cs typeface="MS PGothic"/>
       </a:defRPr>
     </a:lvl8pPr>
     <a:lvl9pPr marL="3657600" algn="l" defTabSz="914400" rtl="0" eaLnBrk="1" latinLnBrk="0" hangingPunct="1">
@@ -175,41 +175,11 @@
           <a:schemeClr val="tx1"/>
         </a:solidFill>
         <a:latin typeface="Garamond" pitchFamily="18" charset="0"/>
-        <a:ea typeface="ＭＳ Ｐゴシック"/>
-        <a:cs typeface="ＭＳ Ｐゴシック"/>
+        <a:ea typeface="MS PGothic"/>
+        <a:cs typeface="MS PGothic"/>
       </a:defRPr>
     </a:lvl9pPr>
   </p:defaultTextStyle>
-  <p:extLst>
-    <p:ext uri="{EFAFB233-063F-42B5-8137-9DF3F51BA10A}">
-      <p15:sldGuideLst xmlns:p15="http://schemas.microsoft.com/office/powerpoint/2012/main">
-        <p15:guide id="1" orient="horz" pos="2614" userDrawn="1">
-          <p15:clr>
-            <a:srgbClr val="A4A3A4"/>
-          </p15:clr>
-        </p15:guide>
-        <p15:guide id="2" pos="2952" userDrawn="1">
-          <p15:clr>
-            <a:srgbClr val="A4A3A4"/>
-          </p15:clr>
-        </p15:guide>
-      </p15:sldGuideLst>
-    </p:ext>
-    <p:ext uri="{2D200454-40CA-4A62-9FC3-DE9A4176ACB9}">
-      <p15:notesGuideLst xmlns:p15="http://schemas.microsoft.com/office/powerpoint/2012/main">
-        <p15:guide id="1" orient="horz" pos="3024">
-          <p15:clr>
-            <a:srgbClr val="A4A3A4"/>
-          </p15:clr>
-        </p15:guide>
-        <p15:guide id="2" pos="2308">
-          <p15:clr>
-            <a:srgbClr val="A4A3A4"/>
-          </p15:clr>
-        </p15:guide>
-      </p15:notesGuideLst>
-    </p:ext>
-  </p:extLst>
 </p:presentation>
 </file>
 
@@ -219,9 +189,7 @@
   <p:cmAuthor id="2" name="Mark Kerzner" initials="MK" lastIdx="6" clrIdx="1"/>
   <p:cmAuthor id="3" name="Mary Beth Conlee" initials="MBC" lastIdx="7" clrIdx="2"/>
   <p:cmAuthor id="4" name="Michelle" initials="M" lastIdx="5" clrIdx="3"/>
-  <p:cmAuthor id="5" name="Tricia Murphy" initials="TM" lastIdx="4" clrIdx="4">
-    <p:extLst/>
-  </p:cmAuthor>
+  <p:cmAuthor id="5" name="Tricia Murphy" initials="TM" lastIdx="4" clrIdx="4"/>
 </p:cmAuthorLst>
 </file>
 
@@ -272,20 +240,14 @@
           <a:ln w="9525">
             <a:noFill/>
             <a:miter lim="800000"/>
-            <a:headEnd/>
-            <a:tailEnd/>
           </a:ln>
         </p:spPr>
         <p:txBody>
-          <a:bodyPr vert="horz" wrap="square" lIns="96603" tIns="48303" rIns="96603" bIns="48303" numCol="1" anchor="b" anchorCtr="0" compatLnSpc="1">
-            <a:prstTxWarp prst="textNoShape">
-              <a:avLst/>
-            </a:prstTxWarp>
-          </a:bodyPr>
+          <a:bodyPr vert="horz" wrap="square" lIns="96603" tIns="48303" rIns="96603" bIns="48303" numCol="1" anchor="b" anchorCtr="0" compatLnSpc="1"/>
           <a:lstStyle>
             <a:lvl1pPr defTabSz="965200">
               <a:defRPr sz="1200">
-                <a:latin typeface="Times New Roman" pitchFamily="18" charset="0"/>
+                <a:latin typeface="Times New Roman" panose="02020603050405020304" pitchFamily="-110" charset="0"/>
               </a:defRPr>
             </a:lvl1pPr>
           </a:lstStyle>
@@ -297,6 +259,7 @@
               <a:rPr lang="en-US" dirty="0"/>
               <a:t>Copyright © 2017 Elephant Scale. All rights reserved.</a:t>
             </a:r>
+            <a:endParaRPr lang="en-US" dirty="0"/>
           </a:p>
         </p:txBody>
       </p:sp>
@@ -322,20 +285,14 @@
           <a:ln w="9525">
             <a:noFill/>
             <a:miter lim="800000"/>
-            <a:headEnd/>
-            <a:tailEnd/>
           </a:ln>
         </p:spPr>
         <p:txBody>
-          <a:bodyPr vert="horz" wrap="square" lIns="96603" tIns="48303" rIns="96603" bIns="48303" numCol="1" anchor="b" anchorCtr="0" compatLnSpc="1">
-            <a:prstTxWarp prst="textNoShape">
-              <a:avLst/>
-            </a:prstTxWarp>
-          </a:bodyPr>
+          <a:bodyPr vert="horz" wrap="square" lIns="96603" tIns="48303" rIns="96603" bIns="48303" numCol="1" anchor="b" anchorCtr="0" compatLnSpc="1"/>
           <a:lstStyle>
             <a:lvl1pPr algn="r" defTabSz="965200">
               <a:defRPr sz="1200">
-                <a:latin typeface="Times New Roman" pitchFamily="18" charset="0"/>
+                <a:latin typeface="Times New Roman" panose="02020603050405020304" pitchFamily="-110" charset="0"/>
               </a:defRPr>
             </a:lvl1pPr>
           </a:lstStyle>
@@ -345,21 +302,12 @@
             </a:pPr>
             <a:fld id="{97E62689-8C7D-4291-A094-4E689FEC4C3B}" type="slidenum">
               <a:rPr lang="en-US"/>
-              <a:pPr>
-                <a:defRPr/>
-              </a:pPr>
-              <a:t>‹#›</a:t>
             </a:fld>
             <a:endParaRPr lang="en-US" dirty="0"/>
           </a:p>
         </p:txBody>
       </p:sp>
     </p:spTree>
-    <p:extLst>
-      <p:ext uri="{BB962C8B-B14F-4D97-AF65-F5344CB8AC3E}">
-        <p14:creationId xmlns:p14="http://schemas.microsoft.com/office/powerpoint/2010/main" val="3239291525"/>
-      </p:ext>
-    </p:extLst>
   </p:cSld>
   <p:clrMap bg1="lt1" tx1="dk1" bg2="lt2" tx2="dk2" accent1="accent1" accent2="accent2" accent3="accent3" accent4="accent4" accent5="accent5" accent6="accent6" hlink="hlink" folHlink="folHlink"/>
   <p:hf hdr="0" ftr="0" dt="0"/>
@@ -415,8 +363,6 @@
               <a:srgbClr val="000000"/>
             </a:solidFill>
             <a:miter lim="800000"/>
-            <a:headEnd/>
-            <a:tailEnd/>
           </a:ln>
         </p:spPr>
       </p:sp>
@@ -442,21 +388,15 @@
           <a:ln w="9525">
             <a:noFill/>
             <a:miter lim="800000"/>
-            <a:headEnd/>
-            <a:tailEnd/>
           </a:ln>
           <a:effectLst/>
         </p:spPr>
         <p:txBody>
-          <a:bodyPr vert="horz" wrap="square" lIns="0" tIns="0" rIns="0" bIns="0" numCol="1" anchor="b" anchorCtr="1" compatLnSpc="1">
-            <a:prstTxWarp prst="textNoShape">
-              <a:avLst/>
-            </a:prstTxWarp>
-          </a:bodyPr>
+          <a:bodyPr vert="horz" wrap="square" lIns="0" tIns="0" rIns="0" bIns="0" numCol="1" anchor="b" anchorCtr="1" compatLnSpc="1"/>
           <a:lstStyle>
             <a:lvl1pPr algn="ctr" defTabSz="965200" eaLnBrk="0" hangingPunct="0">
               <a:defRPr sz="900">
-                <a:latin typeface="Arial" charset="0"/>
+                <a:latin typeface="Arial" panose="020B0604020202020204" pitchFamily="34" charset="0"/>
               </a:defRPr>
             </a:lvl1pPr>
           </a:lstStyle>
@@ -468,6 +408,7 @@
               <a:rPr lang="en-US" dirty="0"/>
               <a:t>Copyright © 2017 Elephant Scale. All rights reserved.</a:t>
             </a:r>
+            <a:endParaRPr lang="en-US" dirty="0"/>
           </a:p>
         </p:txBody>
       </p:sp>
@@ -493,21 +434,15 @@
           <a:ln w="9525">
             <a:noFill/>
             <a:miter lim="800000"/>
-            <a:headEnd/>
-            <a:tailEnd/>
           </a:ln>
           <a:effectLst/>
         </p:spPr>
         <p:txBody>
-          <a:bodyPr vert="horz" wrap="square" lIns="0" tIns="0" rIns="0" bIns="0" numCol="1" anchor="b" anchorCtr="0" compatLnSpc="1">
-            <a:prstTxWarp prst="textNoShape">
-              <a:avLst/>
-            </a:prstTxWarp>
-          </a:bodyPr>
+          <a:bodyPr vert="horz" wrap="square" lIns="0" tIns="0" rIns="0" bIns="0" numCol="1" anchor="b" anchorCtr="0" compatLnSpc="1"/>
           <a:lstStyle>
             <a:lvl1pPr algn="r" defTabSz="965200" eaLnBrk="0" hangingPunct="0">
               <a:defRPr b="1">
-                <a:latin typeface="Arial" charset="0"/>
+                <a:latin typeface="Arial" panose="020B0604020202020204" pitchFamily="34" charset="0"/>
               </a:defRPr>
             </a:lvl1pPr>
           </a:lstStyle>
@@ -517,10 +452,6 @@
             </a:pPr>
             <a:fld id="{EFAADD5D-AF76-45EE-AA5F-6DAC73BF167A}" type="slidenum">
               <a:rPr lang="en-US"/>
-              <a:pPr>
-                <a:defRPr/>
-              </a:pPr>
-              <a:t>‹#›</a:t>
             </a:fld>
             <a:endParaRPr lang="en-US" dirty="0"/>
           </a:p>
@@ -546,24 +477,26 @@
           <a:ln w="9525">
             <a:noFill/>
             <a:miter lim="800000"/>
-            <a:headEnd/>
-            <a:tailEnd/>
           </a:ln>
         </p:spPr>
         <p:txBody>
           <a:bodyPr wrap="none" lIns="96386" tIns="48194" rIns="96386" bIns="48194"/>
           <a:lstStyle/>
           <a:p>
-            <a:pPr defTabSz="960438">
+            <a:pPr defTabSz="960755">
               <a:defRPr/>
             </a:pPr>
             <a:r>
               <a:rPr lang="en-US" sz="1200" b="1" u="sng" dirty="0">
-                <a:latin typeface="Times New Roman" pitchFamily="18" charset="0"/>
-                <a:cs typeface="Times New Roman" pitchFamily="18" charset="0"/>
+                <a:latin typeface="Times New Roman" panose="02020603050405020304" pitchFamily="-110" charset="0"/>
+                <a:cs typeface="Times New Roman" panose="02020603050405020304" pitchFamily="-110" charset="0"/>
               </a:rPr>
               <a:t>Notes:</a:t>
             </a:r>
+            <a:endParaRPr lang="en-US" sz="1200" b="1" u="sng" dirty="0">
+              <a:latin typeface="Times New Roman" panose="02020603050405020304" pitchFamily="-110" charset="0"/>
+              <a:cs typeface="Times New Roman" panose="02020603050405020304" pitchFamily="-110" charset="0"/>
+            </a:endParaRPr>
           </a:p>
         </p:txBody>
       </p:sp>
@@ -589,16 +522,10 @@
           <a:ln w="9525">
             <a:noFill/>
             <a:miter lim="800000"/>
-            <a:headEnd/>
-            <a:tailEnd/>
           </a:ln>
         </p:spPr>
         <p:txBody>
-          <a:bodyPr vert="horz" wrap="square" lIns="91537" tIns="45768" rIns="91537" bIns="45768" numCol="1" anchor="t" anchorCtr="0" compatLnSpc="1">
-            <a:prstTxWarp prst="textNoShape">
-              <a:avLst/>
-            </a:prstTxWarp>
-          </a:bodyPr>
+          <a:bodyPr vert="horz" wrap="square" lIns="91537" tIns="45768" rIns="91537" bIns="45768" numCol="1" anchor="t" anchorCtr="0" compatLnSpc="1"/>
           <a:lstStyle/>
           <a:p>
             <a:pPr lvl="0"/>
@@ -628,8 +555,6 @@
               <a:srgbClr val="000000"/>
             </a:solidFill>
             <a:round/>
-            <a:headEnd/>
-            <a:tailEnd/>
           </a:ln>
           <a:effectLst/>
         </p:spPr>
@@ -644,7 +569,7 @@
               <a:defRPr/>
             </a:pPr>
             <a:endParaRPr lang="en-US" dirty="0">
-              <a:latin typeface="Garamond" pitchFamily="-110" charset="0"/>
+              <a:latin typeface="Garamond" pitchFamily="18" charset="0"/>
               <a:ea typeface="+mn-ea"/>
               <a:cs typeface="+mn-cs"/>
             </a:endParaRPr>
@@ -652,11 +577,6 @@
         </p:txBody>
       </p:sp>
     </p:spTree>
-    <p:extLst>
-      <p:ext uri="{BB962C8B-B14F-4D97-AF65-F5344CB8AC3E}">
-        <p14:creationId xmlns:p14="http://schemas.microsoft.com/office/powerpoint/2010/main" val="953744030"/>
-      </p:ext>
-    </p:extLst>
   </p:cSld>
   <p:clrMap bg1="lt1" tx1="dk1" bg2="lt2" tx2="dk2" accent1="accent1" accent2="accent2" accent3="accent3" accent4="accent4" accent5="accent5" accent6="accent6" hlink="hlink" folHlink="folHlink"/>
   <p:hf dt="0"/>
@@ -669,15 +589,15 @@
         <a:spcPct val="0"/>
       </a:spcAft>
       <a:buSzPct val="65000"/>
-      <a:buFont typeface="Wingdings" pitchFamily="2" charset="2"/>
+      <a:buFont typeface="Wingdings" panose="05000000000000000000" pitchFamily="2" charset="2"/>
       <a:buNone/>
       <a:defRPr sz="1200" kern="1200">
         <a:solidFill>
           <a:schemeClr val="tx1"/>
         </a:solidFill>
-        <a:latin typeface="Times New Roman" pitchFamily="-110" charset="0"/>
-        <a:ea typeface="ＭＳ Ｐゴシック" pitchFamily="-110" charset="-128"/>
-        <a:cs typeface="ＭＳ Ｐゴシック" pitchFamily="-110" charset="-128"/>
+        <a:latin typeface="Times New Roman" panose="02020603050405020304" pitchFamily="-110" charset="0"/>
+        <a:ea typeface="MS PGothic" pitchFamily="-110" charset="-128"/>
+        <a:cs typeface="MS PGothic" pitchFamily="-110" charset="-128"/>
       </a:defRPr>
     </a:lvl1pPr>
     <a:lvl2pPr marL="282575" indent="0" algn="l" rtl="0" eaLnBrk="0" fontAlgn="base" hangingPunct="0">
@@ -692,12 +612,12 @@
         <a:solidFill>
           <a:schemeClr val="tx1"/>
         </a:solidFill>
-        <a:latin typeface="Times New Roman" pitchFamily="-110" charset="0"/>
-        <a:ea typeface="ＭＳ Ｐゴシック" pitchFamily="-110" charset="-128"/>
-        <a:cs typeface="ＭＳ Ｐゴシック"/>
+        <a:latin typeface="Times New Roman" panose="02020603050405020304" pitchFamily="-110" charset="0"/>
+        <a:ea typeface="MS PGothic" pitchFamily="-110" charset="-128"/>
+        <a:cs typeface="MS PGothic"/>
       </a:defRPr>
     </a:lvl2pPr>
-    <a:lvl3pPr marL="744538" indent="-173038" algn="l" rtl="0" eaLnBrk="0" fontAlgn="base" hangingPunct="0">
+    <a:lvl3pPr marL="744855" indent="-173355" algn="l" rtl="0" eaLnBrk="0" fontAlgn="base" hangingPunct="0">
       <a:spcBef>
         <a:spcPct val="30000"/>
       </a:spcBef>
@@ -709,9 +629,9 @@
         <a:solidFill>
           <a:schemeClr val="tx1"/>
         </a:solidFill>
-        <a:latin typeface="Times New Roman" pitchFamily="-110" charset="0"/>
-        <a:ea typeface="ＭＳ Ｐゴシック" pitchFamily="-110" charset="-128"/>
-        <a:cs typeface="ＭＳ Ｐゴシック"/>
+        <a:latin typeface="Times New Roman" panose="02020603050405020304" pitchFamily="-110" charset="0"/>
+        <a:ea typeface="MS PGothic" pitchFamily="-110" charset="-128"/>
+        <a:cs typeface="MS PGothic"/>
       </a:defRPr>
     </a:lvl3pPr>
     <a:lvl4pPr marL="1600200" indent="-228600" algn="l" rtl="0" eaLnBrk="0" fontAlgn="base" hangingPunct="0">
@@ -725,9 +645,9 @@
         <a:solidFill>
           <a:schemeClr val="tx1"/>
         </a:solidFill>
-        <a:latin typeface="Times New Roman" pitchFamily="-110" charset="0"/>
-        <a:ea typeface="ＭＳ Ｐゴシック" pitchFamily="-110" charset="-128"/>
-        <a:cs typeface="ＭＳ Ｐゴシック"/>
+        <a:latin typeface="Times New Roman" panose="02020603050405020304" pitchFamily="-110" charset="0"/>
+        <a:ea typeface="MS PGothic" pitchFamily="-110" charset="-128"/>
+        <a:cs typeface="MS PGothic"/>
       </a:defRPr>
     </a:lvl4pPr>
     <a:lvl5pPr marL="2057400" indent="-228600" algn="l" rtl="0" eaLnBrk="0" fontAlgn="base" hangingPunct="0">
@@ -741,9 +661,9 @@
         <a:solidFill>
           <a:schemeClr val="tx1"/>
         </a:solidFill>
-        <a:latin typeface="Times New Roman" pitchFamily="-110" charset="0"/>
-        <a:ea typeface="ＭＳ Ｐゴシック" pitchFamily="-110" charset="-128"/>
-        <a:cs typeface="ＭＳ Ｐゴシック"/>
+        <a:latin typeface="Times New Roman" panose="02020603050405020304" pitchFamily="-110" charset="0"/>
+        <a:ea typeface="MS PGothic" pitchFamily="-110" charset="-128"/>
+        <a:cs typeface="MS PGothic"/>
       </a:defRPr>
     </a:lvl5pPr>
     <a:lvl6pPr marL="2286000" algn="l" defTabSz="457200" rtl="0" eaLnBrk="1" latinLnBrk="0" hangingPunct="1">
@@ -791,7 +711,7 @@
 </file>
 
 <file path=ppt/notesSlides/notesSlide1.xml><?xml version="1.0" encoding="utf-8"?>
-<p:notes xmlns:a="http://schemas.openxmlformats.org/drawingml/2006/main" xmlns:p="http://schemas.openxmlformats.org/presentationml/2006/main" xmlns:r="http://schemas.openxmlformats.org/officeDocument/2006/relationships">
+<p:notes xmlns:a="http://schemas.openxmlformats.org/drawingml/2006/main" xmlns:r="http://schemas.openxmlformats.org/officeDocument/2006/relationships" xmlns:p="http://schemas.openxmlformats.org/presentationml/2006/main">
   <p:cSld>
     <p:spTree>
       <p:nvGrpSpPr>
@@ -826,7 +746,7 @@
             <a:spLocks noGrp="1"/>
           </p:cNvSpPr>
           <p:nvPr>
-            <p:ph type="sldNum" idx="5" sz="quarter"/>
+            <p:ph type="sldNum" sz="quarter" idx="5"/>
           </p:nvPr>
         </p:nvSpPr>
         <p:spPr/>
@@ -838,7 +758,7 @@
             <a:spLocks noGrp="1"/>
           </p:cNvSpPr>
           <p:nvPr>
-            <p:ph type="body" idx="3" sz="quarter"/>
+            <p:ph type="body" sz="quarter" idx="3"/>
           </p:nvPr>
         </p:nvSpPr>
         <p:spPr/>
@@ -875,7 +795,7 @@
 </file>
 
 <file path=ppt/notesSlides/notesSlide10.xml><?xml version="1.0" encoding="utf-8"?>
-<p:notes xmlns:a="http://schemas.openxmlformats.org/drawingml/2006/main" xmlns:p="http://schemas.openxmlformats.org/presentationml/2006/main" xmlns:r="http://schemas.openxmlformats.org/officeDocument/2006/relationships">
+<p:notes xmlns:a="http://schemas.openxmlformats.org/drawingml/2006/main" xmlns:r="http://schemas.openxmlformats.org/officeDocument/2006/relationships" xmlns:p="http://schemas.openxmlformats.org/presentationml/2006/main">
   <p:cSld>
     <p:spTree>
       <p:nvGrpSpPr>
@@ -910,7 +830,7 @@
             <a:spLocks noGrp="1"/>
           </p:cNvSpPr>
           <p:nvPr>
-            <p:ph type="sldNum" idx="5" sz="quarter"/>
+            <p:ph type="sldNum" sz="quarter" idx="5"/>
           </p:nvPr>
         </p:nvSpPr>
         <p:spPr/>
@@ -922,7 +842,7 @@
             <a:spLocks noGrp="1"/>
           </p:cNvSpPr>
           <p:nvPr>
-            <p:ph type="body" idx="3" sz="quarter"/>
+            <p:ph type="body" sz="quarter" idx="3"/>
           </p:nvPr>
         </p:nvSpPr>
         <p:spPr/>
@@ -965,7 +885,7 @@
 </file>
 
 <file path=ppt/notesSlides/notesSlide11.xml><?xml version="1.0" encoding="utf-8"?>
-<p:notes xmlns:a="http://schemas.openxmlformats.org/drawingml/2006/main" xmlns:p="http://schemas.openxmlformats.org/presentationml/2006/main" xmlns:r="http://schemas.openxmlformats.org/officeDocument/2006/relationships">
+<p:notes xmlns:a="http://schemas.openxmlformats.org/drawingml/2006/main" xmlns:r="http://schemas.openxmlformats.org/officeDocument/2006/relationships" xmlns:p="http://schemas.openxmlformats.org/presentationml/2006/main">
   <p:cSld>
     <p:spTree>
       <p:nvGrpSpPr>
@@ -1000,7 +920,7 @@
             <a:spLocks noGrp="1"/>
           </p:cNvSpPr>
           <p:nvPr>
-            <p:ph type="sldNum" idx="5" sz="quarter"/>
+            <p:ph type="sldNum" sz="quarter" idx="5"/>
           </p:nvPr>
         </p:nvSpPr>
         <p:spPr/>
@@ -1012,7 +932,7 @@
             <a:spLocks noGrp="1"/>
           </p:cNvSpPr>
           <p:nvPr>
-            <p:ph type="body" idx="3" sz="quarter"/>
+            <p:ph type="body" sz="quarter" idx="3"/>
           </p:nvPr>
         </p:nvSpPr>
         <p:spPr/>
@@ -1071,7 +991,7 @@
 </file>
 
 <file path=ppt/notesSlides/notesSlide12.xml><?xml version="1.0" encoding="utf-8"?>
-<p:notes xmlns:a="http://schemas.openxmlformats.org/drawingml/2006/main" xmlns:p="http://schemas.openxmlformats.org/presentationml/2006/main" xmlns:r="http://schemas.openxmlformats.org/officeDocument/2006/relationships">
+<p:notes xmlns:a="http://schemas.openxmlformats.org/drawingml/2006/main" xmlns:r="http://schemas.openxmlformats.org/officeDocument/2006/relationships" xmlns:p="http://schemas.openxmlformats.org/presentationml/2006/main">
   <p:cSld>
     <p:spTree>
       <p:nvGrpSpPr>
@@ -1106,7 +1026,7 @@
             <a:spLocks noGrp="1"/>
           </p:cNvSpPr>
           <p:nvPr>
-            <p:ph type="sldNum" idx="5" sz="quarter"/>
+            <p:ph type="sldNum" sz="quarter" idx="5"/>
           </p:nvPr>
         </p:nvSpPr>
         <p:spPr/>
@@ -1118,7 +1038,7 @@
             <a:spLocks noGrp="1"/>
           </p:cNvSpPr>
           <p:nvPr>
-            <p:ph type="body" idx="3" sz="quarter"/>
+            <p:ph type="body" sz="quarter" idx="3"/>
           </p:nvPr>
         </p:nvSpPr>
         <p:spPr/>
@@ -1144,7 +1064,7 @@
 </file>
 
 <file path=ppt/notesSlides/notesSlide13.xml><?xml version="1.0" encoding="utf-8"?>
-<p:notes xmlns:a="http://schemas.openxmlformats.org/drawingml/2006/main" xmlns:p="http://schemas.openxmlformats.org/presentationml/2006/main" xmlns:r="http://schemas.openxmlformats.org/officeDocument/2006/relationships">
+<p:notes xmlns:a="http://schemas.openxmlformats.org/drawingml/2006/main" xmlns:r="http://schemas.openxmlformats.org/officeDocument/2006/relationships" xmlns:p="http://schemas.openxmlformats.org/presentationml/2006/main">
   <p:cSld>
     <p:spTree>
       <p:nvGrpSpPr>
@@ -1179,7 +1099,7 @@
             <a:spLocks noGrp="1"/>
           </p:cNvSpPr>
           <p:nvPr>
-            <p:ph type="sldNum" idx="5" sz="quarter"/>
+            <p:ph type="sldNum" sz="quarter" idx="5"/>
           </p:nvPr>
         </p:nvSpPr>
         <p:spPr/>
@@ -1191,7 +1111,7 @@
             <a:spLocks noGrp="1"/>
           </p:cNvSpPr>
           <p:nvPr>
-            <p:ph type="body" idx="3" sz="quarter"/>
+            <p:ph type="body" sz="quarter" idx="3"/>
           </p:nvPr>
         </p:nvSpPr>
         <p:spPr/>
@@ -1224,7 +1144,7 @@
 </file>
 
 <file path=ppt/notesSlides/notesSlide14.xml><?xml version="1.0" encoding="utf-8"?>
-<p:notes xmlns:a="http://schemas.openxmlformats.org/drawingml/2006/main" xmlns:p="http://schemas.openxmlformats.org/presentationml/2006/main" xmlns:r="http://schemas.openxmlformats.org/officeDocument/2006/relationships">
+<p:notes xmlns:a="http://schemas.openxmlformats.org/drawingml/2006/main" xmlns:r="http://schemas.openxmlformats.org/officeDocument/2006/relationships" xmlns:p="http://schemas.openxmlformats.org/presentationml/2006/main">
   <p:cSld>
     <p:spTree>
       <p:nvGrpSpPr>
@@ -1259,7 +1179,7 @@
             <a:spLocks noGrp="1"/>
           </p:cNvSpPr>
           <p:nvPr>
-            <p:ph type="sldNum" idx="5" sz="quarter"/>
+            <p:ph type="sldNum" sz="quarter" idx="5"/>
           </p:nvPr>
         </p:nvSpPr>
         <p:spPr/>
@@ -1271,7 +1191,7 @@
             <a:spLocks noGrp="1"/>
           </p:cNvSpPr>
           <p:nvPr>
-            <p:ph type="body" idx="3" sz="quarter"/>
+            <p:ph type="body" sz="quarter" idx="3"/>
           </p:nvPr>
         </p:nvSpPr>
         <p:spPr/>
@@ -1309,7 +1229,7 @@
 </file>
 
 <file path=ppt/notesSlides/notesSlide15.xml><?xml version="1.0" encoding="utf-8"?>
-<p:notes xmlns:a="http://schemas.openxmlformats.org/drawingml/2006/main" xmlns:p="http://schemas.openxmlformats.org/presentationml/2006/main" xmlns:r="http://schemas.openxmlformats.org/officeDocument/2006/relationships">
+<p:notes xmlns:a="http://schemas.openxmlformats.org/drawingml/2006/main" xmlns:r="http://schemas.openxmlformats.org/officeDocument/2006/relationships" xmlns:p="http://schemas.openxmlformats.org/presentationml/2006/main">
   <p:cSld>
     <p:spTree>
       <p:nvGrpSpPr>
@@ -1344,7 +1264,7 @@
             <a:spLocks noGrp="1"/>
           </p:cNvSpPr>
           <p:nvPr>
-            <p:ph type="sldNum" idx="5" sz="quarter"/>
+            <p:ph type="sldNum" sz="quarter" idx="5"/>
           </p:nvPr>
         </p:nvSpPr>
         <p:spPr/>
@@ -1356,7 +1276,7 @@
             <a:spLocks noGrp="1"/>
           </p:cNvSpPr>
           <p:nvPr>
-            <p:ph type="body" idx="3" sz="quarter"/>
+            <p:ph type="body" sz="quarter" idx="3"/>
           </p:nvPr>
         </p:nvSpPr>
         <p:spPr/>
@@ -1403,7 +1323,7 @@
 </file>
 
 <file path=ppt/notesSlides/notesSlide16.xml><?xml version="1.0" encoding="utf-8"?>
-<p:notes xmlns:a="http://schemas.openxmlformats.org/drawingml/2006/main" xmlns:p="http://schemas.openxmlformats.org/presentationml/2006/main" xmlns:r="http://schemas.openxmlformats.org/officeDocument/2006/relationships">
+<p:notes xmlns:a="http://schemas.openxmlformats.org/drawingml/2006/main" xmlns:r="http://schemas.openxmlformats.org/officeDocument/2006/relationships" xmlns:p="http://schemas.openxmlformats.org/presentationml/2006/main">
   <p:cSld>
     <p:spTree>
       <p:nvGrpSpPr>
@@ -1438,7 +1358,7 @@
             <a:spLocks noGrp="1"/>
           </p:cNvSpPr>
           <p:nvPr>
-            <p:ph type="sldNum" idx="5" sz="quarter"/>
+            <p:ph type="sldNum" sz="quarter" idx="5"/>
           </p:nvPr>
         </p:nvSpPr>
         <p:spPr/>
@@ -1450,7 +1370,7 @@
             <a:spLocks noGrp="1"/>
           </p:cNvSpPr>
           <p:nvPr>
-            <p:ph type="body" idx="3" sz="quarter"/>
+            <p:ph type="body" sz="quarter" idx="3"/>
           </p:nvPr>
         </p:nvSpPr>
         <p:spPr/>
@@ -1488,7 +1408,7 @@
 </file>
 
 <file path=ppt/notesSlides/notesSlide17.xml><?xml version="1.0" encoding="utf-8"?>
-<p:notes xmlns:a="http://schemas.openxmlformats.org/drawingml/2006/main" xmlns:p="http://schemas.openxmlformats.org/presentationml/2006/main" xmlns:r="http://schemas.openxmlformats.org/officeDocument/2006/relationships">
+<p:notes xmlns:a="http://schemas.openxmlformats.org/drawingml/2006/main" xmlns:r="http://schemas.openxmlformats.org/officeDocument/2006/relationships" xmlns:p="http://schemas.openxmlformats.org/presentationml/2006/main">
   <p:cSld>
     <p:spTree>
       <p:nvGrpSpPr>
@@ -1523,7 +1443,7 @@
             <a:spLocks noGrp="1"/>
           </p:cNvSpPr>
           <p:nvPr>
-            <p:ph type="sldNum" idx="5" sz="quarter"/>
+            <p:ph type="sldNum" sz="quarter" idx="5"/>
           </p:nvPr>
         </p:nvSpPr>
         <p:spPr/>
@@ -1535,7 +1455,7 @@
             <a:spLocks noGrp="1"/>
           </p:cNvSpPr>
           <p:nvPr>
-            <p:ph type="body" idx="3" sz="quarter"/>
+            <p:ph type="body" sz="quarter" idx="3"/>
           </p:nvPr>
         </p:nvSpPr>
         <p:spPr/>
@@ -1576,7 +1496,7 @@
 </file>
 
 <file path=ppt/notesSlides/notesSlide18.xml><?xml version="1.0" encoding="utf-8"?>
-<p:notes xmlns:a="http://schemas.openxmlformats.org/drawingml/2006/main" xmlns:p="http://schemas.openxmlformats.org/presentationml/2006/main" xmlns:r="http://schemas.openxmlformats.org/officeDocument/2006/relationships">
+<p:notes xmlns:a="http://schemas.openxmlformats.org/drawingml/2006/main" xmlns:r="http://schemas.openxmlformats.org/officeDocument/2006/relationships" xmlns:p="http://schemas.openxmlformats.org/presentationml/2006/main">
   <p:cSld>
     <p:spTree>
       <p:nvGrpSpPr>
@@ -1611,7 +1531,7 @@
             <a:spLocks noGrp="1"/>
           </p:cNvSpPr>
           <p:nvPr>
-            <p:ph type="sldNum" idx="5" sz="quarter"/>
+            <p:ph type="sldNum" sz="quarter" idx="5"/>
           </p:nvPr>
         </p:nvSpPr>
         <p:spPr/>
@@ -1623,7 +1543,7 @@
             <a:spLocks noGrp="1"/>
           </p:cNvSpPr>
           <p:nvPr>
-            <p:ph type="body" idx="3" sz="quarter"/>
+            <p:ph type="body" sz="quarter" idx="3"/>
           </p:nvPr>
         </p:nvSpPr>
         <p:spPr/>
@@ -1649,7 +1569,7 @@
 </file>
 
 <file path=ppt/notesSlides/notesSlide19.xml><?xml version="1.0" encoding="utf-8"?>
-<p:notes xmlns:a="http://schemas.openxmlformats.org/drawingml/2006/main" xmlns:p="http://schemas.openxmlformats.org/presentationml/2006/main" xmlns:r="http://schemas.openxmlformats.org/officeDocument/2006/relationships">
+<p:notes xmlns:a="http://schemas.openxmlformats.org/drawingml/2006/main" xmlns:r="http://schemas.openxmlformats.org/officeDocument/2006/relationships" xmlns:p="http://schemas.openxmlformats.org/presentationml/2006/main">
   <p:cSld>
     <p:spTree>
       <p:nvGrpSpPr>
@@ -1684,7 +1604,7 @@
             <a:spLocks noGrp="1"/>
           </p:cNvSpPr>
           <p:nvPr>
-            <p:ph type="sldNum" idx="5" sz="quarter"/>
+            <p:ph type="sldNum" sz="quarter" idx="5"/>
           </p:nvPr>
         </p:nvSpPr>
         <p:spPr/>
@@ -1696,7 +1616,7 @@
             <a:spLocks noGrp="1"/>
           </p:cNvSpPr>
           <p:nvPr>
-            <p:ph type="body" idx="3" sz="quarter"/>
+            <p:ph type="body" sz="quarter" idx="3"/>
           </p:nvPr>
         </p:nvSpPr>
         <p:spPr/>
@@ -1737,7 +1657,7 @@
 </file>
 
 <file path=ppt/notesSlides/notesSlide2.xml><?xml version="1.0" encoding="utf-8"?>
-<p:notes xmlns:a="http://schemas.openxmlformats.org/drawingml/2006/main" xmlns:p="http://schemas.openxmlformats.org/presentationml/2006/main" xmlns:r="http://schemas.openxmlformats.org/officeDocument/2006/relationships">
+<p:notes xmlns:a="http://schemas.openxmlformats.org/drawingml/2006/main" xmlns:r="http://schemas.openxmlformats.org/officeDocument/2006/relationships" xmlns:p="http://schemas.openxmlformats.org/presentationml/2006/main">
   <p:cSld>
     <p:spTree>
       <p:nvGrpSpPr>
@@ -1772,7 +1692,7 @@
             <a:spLocks noGrp="1"/>
           </p:cNvSpPr>
           <p:nvPr>
-            <p:ph type="sldNum" idx="5" sz="quarter"/>
+            <p:ph type="sldNum" sz="quarter" idx="5"/>
           </p:nvPr>
         </p:nvSpPr>
         <p:spPr/>
@@ -1784,7 +1704,7 @@
             <a:spLocks noGrp="1"/>
           </p:cNvSpPr>
           <p:nvPr>
-            <p:ph type="body" idx="3" sz="quarter"/>
+            <p:ph type="body" sz="quarter" idx="3"/>
           </p:nvPr>
         </p:nvSpPr>
         <p:spPr/>
@@ -1810,7 +1730,7 @@
 </file>
 
 <file path=ppt/notesSlides/notesSlide20.xml><?xml version="1.0" encoding="utf-8"?>
-<p:notes xmlns:a="http://schemas.openxmlformats.org/drawingml/2006/main" xmlns:p="http://schemas.openxmlformats.org/presentationml/2006/main" xmlns:r="http://schemas.openxmlformats.org/officeDocument/2006/relationships">
+<p:notes xmlns:a="http://schemas.openxmlformats.org/drawingml/2006/main" xmlns:r="http://schemas.openxmlformats.org/officeDocument/2006/relationships" xmlns:p="http://schemas.openxmlformats.org/presentationml/2006/main">
   <p:cSld>
     <p:spTree>
       <p:nvGrpSpPr>
@@ -1845,7 +1765,7 @@
             <a:spLocks noGrp="1"/>
           </p:cNvSpPr>
           <p:nvPr>
-            <p:ph type="sldNum" idx="5" sz="quarter"/>
+            <p:ph type="sldNum" sz="quarter" idx="5"/>
           </p:nvPr>
         </p:nvSpPr>
         <p:spPr/>
@@ -1857,7 +1777,7 @@
             <a:spLocks noGrp="1"/>
           </p:cNvSpPr>
           <p:nvPr>
-            <p:ph type="body" idx="3" sz="quarter"/>
+            <p:ph type="body" sz="quarter" idx="3"/>
           </p:nvPr>
         </p:nvSpPr>
         <p:spPr/>
@@ -1886,7 +1806,7 @@
 </file>
 
 <file path=ppt/notesSlides/notesSlide21.xml><?xml version="1.0" encoding="utf-8"?>
-<p:notes xmlns:a="http://schemas.openxmlformats.org/drawingml/2006/main" xmlns:p="http://schemas.openxmlformats.org/presentationml/2006/main" xmlns:r="http://schemas.openxmlformats.org/officeDocument/2006/relationships">
+<p:notes xmlns:a="http://schemas.openxmlformats.org/drawingml/2006/main" xmlns:r="http://schemas.openxmlformats.org/officeDocument/2006/relationships" xmlns:p="http://schemas.openxmlformats.org/presentationml/2006/main">
   <p:cSld>
     <p:spTree>
       <p:nvGrpSpPr>
@@ -1921,7 +1841,7 @@
             <a:spLocks noGrp="1"/>
           </p:cNvSpPr>
           <p:nvPr>
-            <p:ph type="sldNum" idx="5" sz="quarter"/>
+            <p:ph type="sldNum" sz="quarter" idx="5"/>
           </p:nvPr>
         </p:nvSpPr>
         <p:spPr/>
@@ -1933,7 +1853,7 @@
             <a:spLocks noGrp="1"/>
           </p:cNvSpPr>
           <p:nvPr>
-            <p:ph type="body" idx="3" sz="quarter"/>
+            <p:ph type="body" sz="quarter" idx="3"/>
           </p:nvPr>
         </p:nvSpPr>
         <p:spPr/>
@@ -1965,7 +1885,7 @@
 </file>
 
 <file path=ppt/notesSlides/notesSlide22.xml><?xml version="1.0" encoding="utf-8"?>
-<p:notes xmlns:a="http://schemas.openxmlformats.org/drawingml/2006/main" xmlns:p="http://schemas.openxmlformats.org/presentationml/2006/main" xmlns:r="http://schemas.openxmlformats.org/officeDocument/2006/relationships">
+<p:notes xmlns:a="http://schemas.openxmlformats.org/drawingml/2006/main" xmlns:r="http://schemas.openxmlformats.org/officeDocument/2006/relationships" xmlns:p="http://schemas.openxmlformats.org/presentationml/2006/main">
   <p:cSld>
     <p:spTree>
       <p:nvGrpSpPr>
@@ -2000,7 +1920,7 @@
             <a:spLocks noGrp="1"/>
           </p:cNvSpPr>
           <p:nvPr>
-            <p:ph type="sldNum" idx="5" sz="quarter"/>
+            <p:ph type="sldNum" sz="quarter" idx="5"/>
           </p:nvPr>
         </p:nvSpPr>
         <p:spPr/>
@@ -2012,7 +1932,7 @@
             <a:spLocks noGrp="1"/>
           </p:cNvSpPr>
           <p:nvPr>
-            <p:ph type="body" idx="3" sz="quarter"/>
+            <p:ph type="body" sz="quarter" idx="3"/>
           </p:nvPr>
         </p:nvSpPr>
         <p:spPr/>
@@ -2050,7 +1970,7 @@
 </file>
 
 <file path=ppt/notesSlides/notesSlide23.xml><?xml version="1.0" encoding="utf-8"?>
-<p:notes xmlns:a="http://schemas.openxmlformats.org/drawingml/2006/main" xmlns:p="http://schemas.openxmlformats.org/presentationml/2006/main" xmlns:r="http://schemas.openxmlformats.org/officeDocument/2006/relationships">
+<p:notes xmlns:a="http://schemas.openxmlformats.org/drawingml/2006/main" xmlns:r="http://schemas.openxmlformats.org/officeDocument/2006/relationships" xmlns:p="http://schemas.openxmlformats.org/presentationml/2006/main">
   <p:cSld>
     <p:spTree>
       <p:nvGrpSpPr>
@@ -2085,7 +2005,7 @@
             <a:spLocks noGrp="1"/>
           </p:cNvSpPr>
           <p:nvPr>
-            <p:ph type="sldNum" idx="5" sz="quarter"/>
+            <p:ph type="sldNum" sz="quarter" idx="5"/>
           </p:nvPr>
         </p:nvSpPr>
         <p:spPr/>
@@ -2097,7 +2017,7 @@
             <a:spLocks noGrp="1"/>
           </p:cNvSpPr>
           <p:nvPr>
-            <p:ph type="body" idx="3" sz="quarter"/>
+            <p:ph type="body" sz="quarter" idx="3"/>
           </p:nvPr>
         </p:nvSpPr>
         <p:spPr/>
@@ -2132,7 +2052,7 @@
 </file>
 
 <file path=ppt/notesSlides/notesSlide24.xml><?xml version="1.0" encoding="utf-8"?>
-<p:notes xmlns:a="http://schemas.openxmlformats.org/drawingml/2006/main" xmlns:p="http://schemas.openxmlformats.org/presentationml/2006/main" xmlns:r="http://schemas.openxmlformats.org/officeDocument/2006/relationships">
+<p:notes xmlns:a="http://schemas.openxmlformats.org/drawingml/2006/main" xmlns:r="http://schemas.openxmlformats.org/officeDocument/2006/relationships" xmlns:p="http://schemas.openxmlformats.org/presentationml/2006/main">
   <p:cSld>
     <p:spTree>
       <p:nvGrpSpPr>
@@ -2167,7 +2087,7 @@
             <a:spLocks noGrp="1"/>
           </p:cNvSpPr>
           <p:nvPr>
-            <p:ph type="sldNum" idx="5" sz="quarter"/>
+            <p:ph type="sldNum" sz="quarter" idx="5"/>
           </p:nvPr>
         </p:nvSpPr>
         <p:spPr/>
@@ -2179,7 +2099,7 @@
             <a:spLocks noGrp="1"/>
           </p:cNvSpPr>
           <p:nvPr>
-            <p:ph type="body" idx="3" sz="quarter"/>
+            <p:ph type="body" sz="quarter" idx="3"/>
           </p:nvPr>
         </p:nvSpPr>
         <p:spPr/>
@@ -2220,7 +2140,7 @@
 </file>
 
 <file path=ppt/notesSlides/notesSlide25.xml><?xml version="1.0" encoding="utf-8"?>
-<p:notes xmlns:a="http://schemas.openxmlformats.org/drawingml/2006/main" xmlns:p="http://schemas.openxmlformats.org/presentationml/2006/main" xmlns:r="http://schemas.openxmlformats.org/officeDocument/2006/relationships">
+<p:notes xmlns:a="http://schemas.openxmlformats.org/drawingml/2006/main" xmlns:r="http://schemas.openxmlformats.org/officeDocument/2006/relationships" xmlns:p="http://schemas.openxmlformats.org/presentationml/2006/main">
   <p:cSld>
     <p:spTree>
       <p:nvGrpSpPr>
@@ -2255,7 +2175,7 @@
             <a:spLocks noGrp="1"/>
           </p:cNvSpPr>
           <p:nvPr>
-            <p:ph type="sldNum" idx="5" sz="quarter"/>
+            <p:ph type="sldNum" sz="quarter" idx="5"/>
           </p:nvPr>
         </p:nvSpPr>
         <p:spPr/>
@@ -2267,7 +2187,7 @@
             <a:spLocks noGrp="1"/>
           </p:cNvSpPr>
           <p:nvPr>
-            <p:ph type="body" idx="3" sz="quarter"/>
+            <p:ph type="body" sz="quarter" idx="3"/>
           </p:nvPr>
         </p:nvSpPr>
         <p:spPr/>
@@ -2305,7 +2225,7 @@
 </file>
 
 <file path=ppt/notesSlides/notesSlide26.xml><?xml version="1.0" encoding="utf-8"?>
-<p:notes xmlns:a="http://schemas.openxmlformats.org/drawingml/2006/main" xmlns:p="http://schemas.openxmlformats.org/presentationml/2006/main" xmlns:r="http://schemas.openxmlformats.org/officeDocument/2006/relationships">
+<p:notes xmlns:a="http://schemas.openxmlformats.org/drawingml/2006/main" xmlns:r="http://schemas.openxmlformats.org/officeDocument/2006/relationships" xmlns:p="http://schemas.openxmlformats.org/presentationml/2006/main">
   <p:cSld>
     <p:spTree>
       <p:nvGrpSpPr>
@@ -2340,7 +2260,7 @@
             <a:spLocks noGrp="1"/>
           </p:cNvSpPr>
           <p:nvPr>
-            <p:ph type="sldNum" idx="5" sz="quarter"/>
+            <p:ph type="sldNum" sz="quarter" idx="5"/>
           </p:nvPr>
         </p:nvSpPr>
         <p:spPr/>
@@ -2352,7 +2272,7 @@
             <a:spLocks noGrp="1"/>
           </p:cNvSpPr>
           <p:nvPr>
-            <p:ph type="body" idx="3" sz="quarter"/>
+            <p:ph type="body" sz="quarter" idx="3"/>
           </p:nvPr>
         </p:nvSpPr>
         <p:spPr/>
@@ -2396,7 +2316,7 @@
 </file>
 
 <file path=ppt/notesSlides/notesSlide27.xml><?xml version="1.0" encoding="utf-8"?>
-<p:notes xmlns:a="http://schemas.openxmlformats.org/drawingml/2006/main" xmlns:p="http://schemas.openxmlformats.org/presentationml/2006/main" xmlns:r="http://schemas.openxmlformats.org/officeDocument/2006/relationships">
+<p:notes xmlns:a="http://schemas.openxmlformats.org/drawingml/2006/main" xmlns:r="http://schemas.openxmlformats.org/officeDocument/2006/relationships" xmlns:p="http://schemas.openxmlformats.org/presentationml/2006/main">
   <p:cSld>
     <p:spTree>
       <p:nvGrpSpPr>
@@ -2431,7 +2351,7 @@
             <a:spLocks noGrp="1"/>
           </p:cNvSpPr>
           <p:nvPr>
-            <p:ph type="sldNum" idx="5" sz="quarter"/>
+            <p:ph type="sldNum" sz="quarter" idx="5"/>
           </p:nvPr>
         </p:nvSpPr>
         <p:spPr/>
@@ -2443,7 +2363,7 @@
             <a:spLocks noGrp="1"/>
           </p:cNvSpPr>
           <p:nvPr>
-            <p:ph type="body" idx="3" sz="quarter"/>
+            <p:ph type="body" sz="quarter" idx="3"/>
           </p:nvPr>
         </p:nvSpPr>
         <p:spPr/>
@@ -2489,7 +2409,7 @@
 </file>
 
 <file path=ppt/notesSlides/notesSlide3.xml><?xml version="1.0" encoding="utf-8"?>
-<p:notes xmlns:a="http://schemas.openxmlformats.org/drawingml/2006/main" xmlns:p="http://schemas.openxmlformats.org/presentationml/2006/main" xmlns:r="http://schemas.openxmlformats.org/officeDocument/2006/relationships">
+<p:notes xmlns:a="http://schemas.openxmlformats.org/drawingml/2006/main" xmlns:r="http://schemas.openxmlformats.org/officeDocument/2006/relationships" xmlns:p="http://schemas.openxmlformats.org/presentationml/2006/main">
   <p:cSld>
     <p:spTree>
       <p:nvGrpSpPr>
@@ -2524,7 +2444,7 @@
             <a:spLocks noGrp="1"/>
           </p:cNvSpPr>
           <p:nvPr>
-            <p:ph type="sldNum" idx="5" sz="quarter"/>
+            <p:ph type="sldNum" sz="quarter" idx="5"/>
           </p:nvPr>
         </p:nvSpPr>
         <p:spPr/>
@@ -2536,7 +2456,7 @@
             <a:spLocks noGrp="1"/>
           </p:cNvSpPr>
           <p:nvPr>
-            <p:ph type="body" idx="3" sz="quarter"/>
+            <p:ph type="body" sz="quarter" idx="3"/>
           </p:nvPr>
         </p:nvSpPr>
         <p:spPr/>
@@ -2584,7 +2504,7 @@
 </file>
 
 <file path=ppt/notesSlides/notesSlide4.xml><?xml version="1.0" encoding="utf-8"?>
-<p:notes xmlns:a="http://schemas.openxmlformats.org/drawingml/2006/main" xmlns:p="http://schemas.openxmlformats.org/presentationml/2006/main" xmlns:r="http://schemas.openxmlformats.org/officeDocument/2006/relationships">
+<p:notes xmlns:a="http://schemas.openxmlformats.org/drawingml/2006/main" xmlns:r="http://schemas.openxmlformats.org/officeDocument/2006/relationships" xmlns:p="http://schemas.openxmlformats.org/presentationml/2006/main">
   <p:cSld>
     <p:spTree>
       <p:nvGrpSpPr>
@@ -2619,7 +2539,7 @@
             <a:spLocks noGrp="1"/>
           </p:cNvSpPr>
           <p:nvPr>
-            <p:ph type="sldNum" idx="5" sz="quarter"/>
+            <p:ph type="sldNum" sz="quarter" idx="5"/>
           </p:nvPr>
         </p:nvSpPr>
         <p:spPr/>
@@ -2631,7 +2551,7 @@
             <a:spLocks noGrp="1"/>
           </p:cNvSpPr>
           <p:nvPr>
-            <p:ph type="body" idx="3" sz="quarter"/>
+            <p:ph type="body" sz="quarter" idx="3"/>
           </p:nvPr>
         </p:nvSpPr>
         <p:spPr/>
@@ -2659,7 +2579,7 @@
 </file>
 
 <file path=ppt/notesSlides/notesSlide5.xml><?xml version="1.0" encoding="utf-8"?>
-<p:notes xmlns:a="http://schemas.openxmlformats.org/drawingml/2006/main" xmlns:p="http://schemas.openxmlformats.org/presentationml/2006/main" xmlns:r="http://schemas.openxmlformats.org/officeDocument/2006/relationships">
+<p:notes xmlns:a="http://schemas.openxmlformats.org/drawingml/2006/main" xmlns:r="http://schemas.openxmlformats.org/officeDocument/2006/relationships" xmlns:p="http://schemas.openxmlformats.org/presentationml/2006/main">
   <p:cSld>
     <p:spTree>
       <p:nvGrpSpPr>
@@ -2694,7 +2614,7 @@
             <a:spLocks noGrp="1"/>
           </p:cNvSpPr>
           <p:nvPr>
-            <p:ph type="sldNum" idx="5" sz="quarter"/>
+            <p:ph type="sldNum" sz="quarter" idx="5"/>
           </p:nvPr>
         </p:nvSpPr>
         <p:spPr/>
@@ -2706,7 +2626,7 @@
             <a:spLocks noGrp="1"/>
           </p:cNvSpPr>
           <p:nvPr>
-            <p:ph type="body" idx="3" sz="quarter"/>
+            <p:ph type="body" sz="quarter" idx="3"/>
           </p:nvPr>
         </p:nvSpPr>
         <p:spPr/>
@@ -2734,7 +2654,7 @@
 </file>
 
 <file path=ppt/notesSlides/notesSlide6.xml><?xml version="1.0" encoding="utf-8"?>
-<p:notes xmlns:a="http://schemas.openxmlformats.org/drawingml/2006/main" xmlns:p="http://schemas.openxmlformats.org/presentationml/2006/main" xmlns:r="http://schemas.openxmlformats.org/officeDocument/2006/relationships">
+<p:notes xmlns:a="http://schemas.openxmlformats.org/drawingml/2006/main" xmlns:r="http://schemas.openxmlformats.org/officeDocument/2006/relationships" xmlns:p="http://schemas.openxmlformats.org/presentationml/2006/main">
   <p:cSld>
     <p:spTree>
       <p:nvGrpSpPr>
@@ -2769,7 +2689,7 @@
             <a:spLocks noGrp="1"/>
           </p:cNvSpPr>
           <p:nvPr>
-            <p:ph type="sldNum" idx="5" sz="quarter"/>
+            <p:ph type="sldNum" sz="quarter" idx="5"/>
           </p:nvPr>
         </p:nvSpPr>
         <p:spPr/>
@@ -2781,7 +2701,7 @@
             <a:spLocks noGrp="1"/>
           </p:cNvSpPr>
           <p:nvPr>
-            <p:ph type="body" idx="3" sz="quarter"/>
+            <p:ph type="body" sz="quarter" idx="3"/>
           </p:nvPr>
         </p:nvSpPr>
         <p:spPr/>
@@ -2809,7 +2729,7 @@
 </file>
 
 <file path=ppt/notesSlides/notesSlide7.xml><?xml version="1.0" encoding="utf-8"?>
-<p:notes xmlns:a="http://schemas.openxmlformats.org/drawingml/2006/main" xmlns:p="http://schemas.openxmlformats.org/presentationml/2006/main" xmlns:r="http://schemas.openxmlformats.org/officeDocument/2006/relationships">
+<p:notes xmlns:a="http://schemas.openxmlformats.org/drawingml/2006/main" xmlns:r="http://schemas.openxmlformats.org/officeDocument/2006/relationships" xmlns:p="http://schemas.openxmlformats.org/presentationml/2006/main">
   <p:cSld>
     <p:spTree>
       <p:nvGrpSpPr>
@@ -2844,7 +2764,7 @@
             <a:spLocks noGrp="1"/>
           </p:cNvSpPr>
           <p:nvPr>
-            <p:ph type="sldNum" idx="5" sz="quarter"/>
+            <p:ph type="sldNum" sz="quarter" idx="5"/>
           </p:nvPr>
         </p:nvSpPr>
         <p:spPr/>
@@ -2856,7 +2776,7 @@
             <a:spLocks noGrp="1"/>
           </p:cNvSpPr>
           <p:nvPr>
-            <p:ph type="body" idx="3" sz="quarter"/>
+            <p:ph type="body" sz="quarter" idx="3"/>
           </p:nvPr>
         </p:nvSpPr>
         <p:spPr/>
@@ -2894,7 +2814,7 @@
 </file>
 
 <file path=ppt/notesSlides/notesSlide8.xml><?xml version="1.0" encoding="utf-8"?>
-<p:notes xmlns:a="http://schemas.openxmlformats.org/drawingml/2006/main" xmlns:p="http://schemas.openxmlformats.org/presentationml/2006/main" xmlns:r="http://schemas.openxmlformats.org/officeDocument/2006/relationships">
+<p:notes xmlns:a="http://schemas.openxmlformats.org/drawingml/2006/main" xmlns:r="http://schemas.openxmlformats.org/officeDocument/2006/relationships" xmlns:p="http://schemas.openxmlformats.org/presentationml/2006/main">
   <p:cSld>
     <p:spTree>
       <p:nvGrpSpPr>
@@ -2929,7 +2849,7 @@
             <a:spLocks noGrp="1"/>
           </p:cNvSpPr>
           <p:nvPr>
-            <p:ph type="sldNum" idx="5" sz="quarter"/>
+            <p:ph type="sldNum" sz="quarter" idx="5"/>
           </p:nvPr>
         </p:nvSpPr>
         <p:spPr/>
@@ -2941,7 +2861,7 @@
             <a:spLocks noGrp="1"/>
           </p:cNvSpPr>
           <p:nvPr>
-            <p:ph type="body" idx="3" sz="quarter"/>
+            <p:ph type="body" sz="quarter" idx="3"/>
           </p:nvPr>
         </p:nvSpPr>
         <p:spPr/>
@@ -2964,7 +2884,7 @@
 </file>
 
 <file path=ppt/notesSlides/notesSlide9.xml><?xml version="1.0" encoding="utf-8"?>
-<p:notes xmlns:a="http://schemas.openxmlformats.org/drawingml/2006/main" xmlns:p="http://schemas.openxmlformats.org/presentationml/2006/main" xmlns:r="http://schemas.openxmlformats.org/officeDocument/2006/relationships">
+<p:notes xmlns:a="http://schemas.openxmlformats.org/drawingml/2006/main" xmlns:r="http://schemas.openxmlformats.org/officeDocument/2006/relationships" xmlns:p="http://schemas.openxmlformats.org/presentationml/2006/main">
   <p:cSld>
     <p:spTree>
       <p:nvGrpSpPr>
@@ -2999,7 +2919,7 @@
             <a:spLocks noGrp="1"/>
           </p:cNvSpPr>
           <p:nvPr>
-            <p:ph type="sldNum" idx="5" sz="quarter"/>
+            <p:ph type="sldNum" sz="quarter" idx="5"/>
           </p:nvPr>
         </p:nvSpPr>
         <p:spPr/>
@@ -3011,7 +2931,7 @@
             <a:spLocks noGrp="1"/>
           </p:cNvSpPr>
           <p:nvPr>
-            <p:ph type="body" idx="3" sz="quarter"/>
+            <p:ph type="body" sz="quarter" idx="3"/>
           </p:nvPr>
         </p:nvSpPr>
         <p:spPr/>
@@ -3044,7 +2964,7 @@
 </file>
 
 <file path=ppt/slideLayouts/slideLayout1.xml><?xml version="1.0" encoding="utf-8"?>
-<p:sldLayout xmlns:a="http://schemas.openxmlformats.org/drawingml/2006/main" xmlns:r="http://schemas.openxmlformats.org/officeDocument/2006/relationships" xmlns:p="http://schemas.openxmlformats.org/presentationml/2006/main" showMasterSp="0" type="title" preserve="1">
+<p:sldLayout xmlns:a="http://schemas.openxmlformats.org/drawingml/2006/main" xmlns:r="http://schemas.openxmlformats.org/officeDocument/2006/relationships" xmlns:p="http://schemas.openxmlformats.org/presentationml/2006/main" type="title" preserve="1" showMasterSp="0">
   <p:cSld name="Title Slide">
     <p:bg>
       <p:bgPr>
@@ -3079,7 +2999,9 @@
         <p:blipFill rotWithShape="1">
           <a:blip r:embed="rId2"/>
           <a:srcRect t="19473"/>
-          <a:stretch/>
+          <a:stretch>
+            <a:fillRect/>
+          </a:stretch>
         </p:blipFill>
         <p:spPr bwMode="auto">
           <a:xfrm>
@@ -3130,6 +3052,7 @@
               <a:rPr lang="en-US"/>
               <a:t>Click to edit Master subtitle style</a:t>
             </a:r>
+            <a:endParaRPr lang="en-US"/>
           </a:p>
         </p:txBody>
       </p:sp>
@@ -3161,6 +3084,7 @@
               <a:rPr lang="en-US"/>
               <a:t>Click to edit Master title style</a:t>
             </a:r>
+            <a:endParaRPr lang="en-US"/>
           </a:p>
         </p:txBody>
       </p:sp>
@@ -3210,6 +3134,7 @@
               <a:rPr lang="en-US" dirty="0"/>
               <a:t>Click to edit Master title style</a:t>
             </a:r>
+            <a:endParaRPr lang="en-US" dirty="0"/>
           </a:p>
         </p:txBody>
       </p:sp>
@@ -3233,6 +3158,7 @@
               <a:rPr lang="en-US" dirty="0"/>
               <a:t>Click to edit Master text styles</a:t>
             </a:r>
+            <a:endParaRPr lang="en-US" dirty="0"/>
           </a:p>
           <a:p>
             <a:pPr lvl="1"/>
@@ -3240,6 +3166,7 @@
               <a:rPr lang="en-US" dirty="0"/>
               <a:t>Second level</a:t>
             </a:r>
+            <a:endParaRPr lang="en-US" dirty="0"/>
           </a:p>
           <a:p>
             <a:pPr lvl="2"/>
@@ -3247,6 +3174,7 @@
               <a:rPr lang="en-US" dirty="0"/>
               <a:t>Third level</a:t>
             </a:r>
+            <a:endParaRPr lang="en-US" dirty="0"/>
           </a:p>
           <a:p>
             <a:pPr lvl="3"/>
@@ -3254,6 +3182,7 @@
               <a:rPr lang="en-US" dirty="0"/>
               <a:t>Fourth level</a:t>
             </a:r>
+            <a:endParaRPr lang="en-US" dirty="0"/>
           </a:p>
           <a:p>
             <a:pPr lvl="4"/>
@@ -3261,6 +3190,7 @@
               <a:rPr lang="en-US" dirty="0"/>
               <a:t>Fifth level</a:t>
             </a:r>
+            <a:endParaRPr lang="en-US" dirty="0"/>
           </a:p>
         </p:txBody>
       </p:sp>
@@ -3286,6 +3216,7 @@
               <a:rPr lang="en-US" dirty="0"/>
               <a:t>Copyright © 2017 Elephant Scale. All rights reserved.</a:t>
             </a:r>
+            <a:endParaRPr lang="en-US" dirty="0"/>
           </a:p>
         </p:txBody>
       </p:sp>
@@ -3309,10 +3240,6 @@
             </a:pPr>
             <a:fld id="{77EF9825-4C23-4085-A4E3-B5565466BD91}" type="slidenum">
               <a:rPr lang="en-US" smtClean="0"/>
-              <a:pPr>
-                <a:defRPr/>
-              </a:pPr>
-              <a:t>‹#›</a:t>
             </a:fld>
             <a:endParaRPr lang="en-US" dirty="0"/>
           </a:p>
@@ -3367,6 +3294,7 @@
               <a:rPr lang="en-US"/>
               <a:t>Click to edit Master title style</a:t>
             </a:r>
+            <a:endParaRPr lang="en-US"/>
           </a:p>
         </p:txBody>
       </p:sp>
@@ -3395,6 +3323,7 @@
               <a:rPr lang="en-US"/>
               <a:t>Click to edit Master text styles</a:t>
             </a:r>
+            <a:endParaRPr lang="en-US"/>
           </a:p>
           <a:p>
             <a:pPr lvl="1"/>
@@ -3402,6 +3331,7 @@
               <a:rPr lang="en-US"/>
               <a:t>Second level</a:t>
             </a:r>
+            <a:endParaRPr lang="en-US"/>
           </a:p>
           <a:p>
             <a:pPr lvl="2"/>
@@ -3409,6 +3339,7 @@
               <a:rPr lang="en-US"/>
               <a:t>Third level</a:t>
             </a:r>
+            <a:endParaRPr lang="en-US"/>
           </a:p>
           <a:p>
             <a:pPr lvl="3"/>
@@ -3416,6 +3347,7 @@
               <a:rPr lang="en-US"/>
               <a:t>Fourth level</a:t>
             </a:r>
+            <a:endParaRPr lang="en-US"/>
           </a:p>
           <a:p>
             <a:pPr lvl="4"/>
@@ -3423,6 +3355,7 @@
               <a:rPr lang="en-US"/>
               <a:t>Fifth level</a:t>
             </a:r>
+            <a:endParaRPr lang="en-US"/>
           </a:p>
         </p:txBody>
       </p:sp>
@@ -3451,6 +3384,7 @@
               <a:rPr lang="en-US"/>
               <a:t>Click to edit Master text styles</a:t>
             </a:r>
+            <a:endParaRPr lang="en-US"/>
           </a:p>
           <a:p>
             <a:pPr lvl="1"/>
@@ -3458,6 +3392,7 @@
               <a:rPr lang="en-US"/>
               <a:t>Second level</a:t>
             </a:r>
+            <a:endParaRPr lang="en-US"/>
           </a:p>
           <a:p>
             <a:pPr lvl="2"/>
@@ -3465,6 +3400,7 @@
               <a:rPr lang="en-US"/>
               <a:t>Third level</a:t>
             </a:r>
+            <a:endParaRPr lang="en-US"/>
           </a:p>
           <a:p>
             <a:pPr lvl="3"/>
@@ -3472,6 +3408,7 @@
               <a:rPr lang="en-US"/>
               <a:t>Fourth level</a:t>
             </a:r>
+            <a:endParaRPr lang="en-US"/>
           </a:p>
           <a:p>
             <a:pPr lvl="4"/>
@@ -3479,6 +3416,7 @@
               <a:rPr lang="en-US"/>
               <a:t>Fifth level</a:t>
             </a:r>
+            <a:endParaRPr lang="en-US"/>
           </a:p>
         </p:txBody>
       </p:sp>
@@ -3507,6 +3445,7 @@
               <a:rPr lang="en-US"/>
               <a:t>Click to edit Master text styles</a:t>
             </a:r>
+            <a:endParaRPr lang="en-US"/>
           </a:p>
           <a:p>
             <a:pPr lvl="1"/>
@@ -3514,6 +3453,7 @@
               <a:rPr lang="en-US"/>
               <a:t>Second level</a:t>
             </a:r>
+            <a:endParaRPr lang="en-US"/>
           </a:p>
           <a:p>
             <a:pPr lvl="2"/>
@@ -3521,6 +3461,7 @@
               <a:rPr lang="en-US"/>
               <a:t>Third level</a:t>
             </a:r>
+            <a:endParaRPr lang="en-US"/>
           </a:p>
           <a:p>
             <a:pPr lvl="3"/>
@@ -3528,6 +3469,7 @@
               <a:rPr lang="en-US"/>
               <a:t>Fourth level</a:t>
             </a:r>
+            <a:endParaRPr lang="en-US"/>
           </a:p>
           <a:p>
             <a:pPr lvl="4"/>
@@ -3535,6 +3477,7 @@
               <a:rPr lang="en-US"/>
               <a:t>Fifth level</a:t>
             </a:r>
+            <a:endParaRPr lang="en-US"/>
           </a:p>
         </p:txBody>
       </p:sp>
@@ -3548,9 +3491,7 @@
             <p:ph type="sldNum" sz="quarter" idx="11"/>
           </p:nvPr>
         </p:nvSpPr>
-        <p:spPr>
-          <a:ln/>
-        </p:spPr>
+        <p:spPr/>
         <p:txBody>
           <a:bodyPr/>
           <a:lstStyle>
@@ -3564,10 +3505,6 @@
             </a:pPr>
             <a:fld id="{040E4B02-67B9-4228-B08B-2561CEE6B946}" type="slidenum">
               <a:rPr lang="en-US"/>
-              <a:pPr>
-                <a:defRPr/>
-              </a:pPr>
-              <a:t>‹#›</a:t>
             </a:fld>
             <a:endParaRPr lang="en-US" dirty="0"/>
           </a:p>
@@ -3583,9 +3520,7 @@
             <p:ph type="ftr" sz="quarter" idx="12"/>
           </p:nvPr>
         </p:nvSpPr>
-        <p:spPr>
-          <a:ln/>
-        </p:spPr>
+        <p:spPr/>
         <p:txBody>
           <a:bodyPr/>
           <a:lstStyle>
@@ -3601,6 +3536,7 @@
               <a:rPr lang="en-US" dirty="0"/>
               <a:t>Copyright © 2017 Elephant Scale. All rights reserved.</a:t>
             </a:r>
+            <a:endParaRPr lang="en-US" dirty="0"/>
           </a:p>
         </p:txBody>
       </p:sp>
@@ -3653,6 +3589,7 @@
               <a:rPr lang="en-US"/>
               <a:t>Click to edit Master title style</a:t>
             </a:r>
+            <a:endParaRPr lang="en-US"/>
           </a:p>
         </p:txBody>
       </p:sp>
@@ -3681,6 +3618,7 @@
               <a:rPr lang="en-US"/>
               <a:t>Click to edit Master text styles</a:t>
             </a:r>
+            <a:endParaRPr lang="en-US"/>
           </a:p>
           <a:p>
             <a:pPr lvl="1"/>
@@ -3688,6 +3626,7 @@
               <a:rPr lang="en-US"/>
               <a:t>Second level</a:t>
             </a:r>
+            <a:endParaRPr lang="en-US"/>
           </a:p>
           <a:p>
             <a:pPr lvl="2"/>
@@ -3695,6 +3634,7 @@
               <a:rPr lang="en-US"/>
               <a:t>Third level</a:t>
             </a:r>
+            <a:endParaRPr lang="en-US"/>
           </a:p>
           <a:p>
             <a:pPr lvl="3"/>
@@ -3702,6 +3642,7 @@
               <a:rPr lang="en-US"/>
               <a:t>Fourth level</a:t>
             </a:r>
+            <a:endParaRPr lang="en-US"/>
           </a:p>
           <a:p>
             <a:pPr lvl="4"/>
@@ -3709,6 +3650,7 @@
               <a:rPr lang="en-US"/>
               <a:t>Fifth level</a:t>
             </a:r>
+            <a:endParaRPr lang="en-US"/>
           </a:p>
         </p:txBody>
       </p:sp>
@@ -3737,6 +3679,7 @@
               <a:rPr lang="en-US"/>
               <a:t>Click to edit Master text styles</a:t>
             </a:r>
+            <a:endParaRPr lang="en-US"/>
           </a:p>
           <a:p>
             <a:pPr lvl="1"/>
@@ -3744,6 +3687,7 @@
               <a:rPr lang="en-US"/>
               <a:t>Second level</a:t>
             </a:r>
+            <a:endParaRPr lang="en-US"/>
           </a:p>
           <a:p>
             <a:pPr lvl="2"/>
@@ -3751,6 +3695,7 @@
               <a:rPr lang="en-US"/>
               <a:t>Third level</a:t>
             </a:r>
+            <a:endParaRPr lang="en-US"/>
           </a:p>
           <a:p>
             <a:pPr lvl="3"/>
@@ -3758,6 +3703,7 @@
               <a:rPr lang="en-US"/>
               <a:t>Fourth level</a:t>
             </a:r>
+            <a:endParaRPr lang="en-US"/>
           </a:p>
           <a:p>
             <a:pPr lvl="4"/>
@@ -3765,6 +3711,7 @@
               <a:rPr lang="en-US"/>
               <a:t>Fifth level</a:t>
             </a:r>
+            <a:endParaRPr lang="en-US"/>
           </a:p>
         </p:txBody>
       </p:sp>
@@ -3778,9 +3725,7 @@
             <p:ph type="sldNum" sz="quarter" idx="11"/>
           </p:nvPr>
         </p:nvSpPr>
-        <p:spPr>
-          <a:ln/>
-        </p:spPr>
+        <p:spPr/>
         <p:txBody>
           <a:bodyPr/>
           <a:lstStyle>
@@ -3794,10 +3739,6 @@
             </a:pPr>
             <a:fld id="{A86CC632-9864-46F1-8EAB-FCD3BB9CEC9A}" type="slidenum">
               <a:rPr lang="en-US"/>
-              <a:pPr>
-                <a:defRPr/>
-              </a:pPr>
-              <a:t>‹#›</a:t>
             </a:fld>
             <a:endParaRPr lang="en-US" dirty="0"/>
           </a:p>
@@ -3813,9 +3754,7 @@
             <p:ph type="ftr" sz="quarter" idx="12"/>
           </p:nvPr>
         </p:nvSpPr>
-        <p:spPr>
-          <a:ln/>
-        </p:spPr>
+        <p:spPr/>
         <p:txBody>
           <a:bodyPr/>
           <a:lstStyle>
@@ -3831,6 +3770,7 @@
               <a:rPr lang="en-US" dirty="0"/>
               <a:t>Copyright © 2017 Elephant Scale. All rights reserved.</a:t>
             </a:r>
+            <a:endParaRPr lang="en-US" dirty="0"/>
           </a:p>
         </p:txBody>
       </p:sp>
@@ -3889,15 +3829,10 @@
           <a:ln w="9525">
             <a:noFill/>
             <a:miter lim="800000"/>
-            <a:headEnd/>
-            <a:tailEnd/>
           </a:ln>
         </p:spPr>
         <p:txBody>
           <a:bodyPr vert="horz" wrap="square" lIns="92007" tIns="46005" rIns="92007" bIns="46005" numCol="1" anchor="t" anchorCtr="0" compatLnSpc="1">
-            <a:prstTxWarp prst="textNoShape">
-              <a:avLst/>
-            </a:prstTxWarp>
             <a:normAutofit/>
           </a:bodyPr>
           <a:lstStyle/>
@@ -3907,6 +3842,7 @@
               <a:rPr lang="en-US" dirty="0"/>
               <a:t>Click to edit Master text styles</a:t>
             </a:r>
+            <a:endParaRPr lang="en-US" dirty="0"/>
           </a:p>
           <a:p>
             <a:pPr lvl="1"/>
@@ -3914,6 +3850,7 @@
               <a:rPr lang="en-US" dirty="0"/>
               <a:t>Second level</a:t>
             </a:r>
+            <a:endParaRPr lang="en-US" dirty="0"/>
           </a:p>
           <a:p>
             <a:pPr lvl="2"/>
@@ -3921,6 +3858,7 @@
               <a:rPr lang="en-US" dirty="0"/>
               <a:t>Third level</a:t>
             </a:r>
+            <a:endParaRPr lang="en-US" dirty="0"/>
           </a:p>
           <a:p>
             <a:pPr lvl="3"/>
@@ -3928,6 +3866,7 @@
               <a:rPr lang="en-US" dirty="0"/>
               <a:t>Fourth level</a:t>
             </a:r>
+            <a:endParaRPr lang="en-US" dirty="0"/>
           </a:p>
           <a:p>
             <a:pPr lvl="4"/>
@@ -3935,6 +3874,7 @@
               <a:rPr lang="en-US" dirty="0"/>
               <a:t>Fifth level</a:t>
             </a:r>
+            <a:endParaRPr lang="en-US" dirty="0"/>
           </a:p>
         </p:txBody>
       </p:sp>
@@ -3960,26 +3900,20 @@
           <a:ln w="9525">
             <a:noFill/>
             <a:miter lim="800000"/>
-            <a:headEnd/>
-            <a:tailEnd/>
           </a:ln>
           <a:effectLst/>
         </p:spPr>
         <p:txBody>
-          <a:bodyPr vert="horz" wrap="square" lIns="0" tIns="0" rIns="0" bIns="0" numCol="1" anchor="b" anchorCtr="0" compatLnSpc="1">
-            <a:prstTxWarp prst="textNoShape">
-              <a:avLst/>
-            </a:prstTxWarp>
-          </a:bodyPr>
+          <a:bodyPr vert="horz" wrap="square" lIns="0" tIns="0" rIns="0" bIns="0" numCol="1" anchor="b" anchorCtr="0" compatLnSpc="1"/>
           <a:lstStyle>
             <a:lvl1pPr algn="r" eaLnBrk="0" hangingPunct="0">
               <a:defRPr b="1">
                 <a:solidFill>
                   <a:srgbClr val="000000"/>
                 </a:solidFill>
-                <a:latin typeface="Arial" charset="0"/>
-                <a:ea typeface="ＭＳ Ｐゴシック" charset="0"/>
-                <a:cs typeface="ＭＳ Ｐゴシック" charset="0"/>
+                <a:latin typeface="Arial" panose="020B0604020202020204" pitchFamily="34" charset="0"/>
+                <a:ea typeface="MS PGothic" charset="0"/>
+                <a:cs typeface="MS PGothic" charset="0"/>
               </a:defRPr>
             </a:lvl1pPr>
           </a:lstStyle>
@@ -3989,10 +3923,6 @@
             </a:pPr>
             <a:fld id="{77EF9825-4C23-4085-A4E3-B5565466BD91}" type="slidenum">
               <a:rPr lang="en-US"/>
-              <a:pPr>
-                <a:defRPr/>
-              </a:pPr>
-              <a:t>‹#›</a:t>
             </a:fld>
             <a:endParaRPr lang="en-US" dirty="0"/>
           </a:p>
@@ -4020,16 +3950,11 @@
           <a:ln w="9525">
             <a:noFill/>
             <a:miter lim="800000"/>
-            <a:headEnd/>
-            <a:tailEnd/>
           </a:ln>
           <a:effectLst/>
         </p:spPr>
         <p:txBody>
           <a:bodyPr vert="horz" wrap="square" lIns="0" tIns="0" rIns="0" bIns="0" numCol="1" anchor="t" anchorCtr="0" compatLnSpc="1">
-            <a:prstTxWarp prst="textNoShape">
-              <a:avLst/>
-            </a:prstTxWarp>
             <a:spAutoFit/>
           </a:bodyPr>
           <a:lstStyle>
@@ -4055,6 +3980,7 @@
               <a:rPr lang="en-US" dirty="0"/>
               <a:t>Copyright © 2017 Elephant Scale. All rights reserved.</a:t>
             </a:r>
+            <a:endParaRPr lang="en-US" dirty="0"/>
           </a:p>
         </p:txBody>
       </p:sp>
@@ -4067,7 +3993,7 @@
           <p:nvPr/>
         </p:nvPicPr>
         <p:blipFill>
-          <a:blip r:embed="rId6"/>
+          <a:blip r:embed="rId5"/>
           <a:srcRect/>
           <a:stretch>
             <a:fillRect/>
@@ -4114,16 +4040,10 @@
           <a:ln w="9525">
             <a:noFill/>
             <a:miter lim="800000"/>
-            <a:headEnd/>
-            <a:tailEnd/>
           </a:ln>
         </p:spPr>
         <p:txBody>
-          <a:bodyPr vert="horz" wrap="square" lIns="92007" tIns="46005" rIns="92007" bIns="46005" numCol="1" anchor="b" anchorCtr="0" compatLnSpc="1">
-            <a:prstTxWarp prst="textNoShape">
-              <a:avLst/>
-            </a:prstTxWarp>
-          </a:bodyPr>
+          <a:bodyPr vert="horz" wrap="square" lIns="92007" tIns="46005" rIns="92007" bIns="46005" numCol="1" anchor="b" anchorCtr="0" compatLnSpc="1"/>
           <a:lstStyle/>
           <a:p>
             <a:pPr lvl="0"/>
@@ -4131,6 +4051,7 @@
               <a:rPr lang="en-US" dirty="0"/>
               <a:t>Click to edit Master title style</a:t>
             </a:r>
+            <a:endParaRPr lang="en-US" dirty="0"/>
           </a:p>
         </p:txBody>
       </p:sp>
@@ -4138,10 +4059,10 @@
   </p:cSld>
   <p:clrMap bg1="dk2" tx1="lt1" bg2="dk1" tx2="lt2" accent1="accent1" accent2="accent2" accent3="accent3" accent4="accent4" accent5="accent5" accent6="accent6" hlink="hlink" folHlink="folHlink"/>
   <p:sldLayoutIdLst>
-    <p:sldLayoutId id="2147483656" r:id="rId1"/>
-    <p:sldLayoutId id="2147483655" r:id="rId2"/>
-    <p:sldLayoutId id="2147483654" r:id="rId3"/>
-    <p:sldLayoutId id="2147483653" r:id="rId4"/>
+    <p:sldLayoutId id="2147483649" r:id="rId1"/>
+    <p:sldLayoutId id="2147483650" r:id="rId2"/>
+    <p:sldLayoutId id="2147483651" r:id="rId3"/>
+    <p:sldLayoutId id="2147483652" r:id="rId4"/>
   </p:sldLayoutIdLst>
   <p:hf hdr="0" dt="0"/>
   <p:txStyles>
@@ -4158,8 +4079,8 @@
             <a:schemeClr val="tx1"/>
           </a:solidFill>
           <a:latin typeface="+mj-lt"/>
-          <a:ea typeface="ＭＳ Ｐゴシック" pitchFamily="-110" charset="-128"/>
-          <a:cs typeface="ＭＳ Ｐゴシック" pitchFamily="-110" charset="-128"/>
+          <a:ea typeface="MS PGothic" pitchFamily="-110" charset="-128"/>
+          <a:cs typeface="MS PGothic" pitchFamily="-110" charset="-128"/>
         </a:defRPr>
       </a:lvl1pPr>
       <a:lvl2pPr algn="l" rtl="0" eaLnBrk="0" fontAlgn="base" hangingPunct="0">
@@ -4173,9 +4094,9 @@
           <a:solidFill>
             <a:schemeClr val="tx1"/>
           </a:solidFill>
-          <a:latin typeface="Verdana" pitchFamily="-110" charset="0"/>
-          <a:ea typeface="ＭＳ Ｐゴシック" pitchFamily="-110" charset="-128"/>
-          <a:cs typeface="ＭＳ Ｐゴシック" pitchFamily="-110" charset="-128"/>
+          <a:latin typeface="Verdana" panose="020B0604030504040204" pitchFamily="-110" charset="0"/>
+          <a:ea typeface="MS PGothic" pitchFamily="-110" charset="-128"/>
+          <a:cs typeface="MS PGothic" pitchFamily="-110" charset="-128"/>
         </a:defRPr>
       </a:lvl2pPr>
       <a:lvl3pPr algn="l" rtl="0" eaLnBrk="0" fontAlgn="base" hangingPunct="0">
@@ -4189,9 +4110,9 @@
           <a:solidFill>
             <a:schemeClr val="tx1"/>
           </a:solidFill>
-          <a:latin typeface="Verdana" pitchFamily="-110" charset="0"/>
-          <a:ea typeface="ＭＳ Ｐゴシック" pitchFamily="-110" charset="-128"/>
-          <a:cs typeface="ＭＳ Ｐゴシック" pitchFamily="-110" charset="-128"/>
+          <a:latin typeface="Verdana" panose="020B0604030504040204" pitchFamily="-110" charset="0"/>
+          <a:ea typeface="MS PGothic" pitchFamily="-110" charset="-128"/>
+          <a:cs typeface="MS PGothic" pitchFamily="-110" charset="-128"/>
         </a:defRPr>
       </a:lvl3pPr>
       <a:lvl4pPr algn="l" rtl="0" eaLnBrk="0" fontAlgn="base" hangingPunct="0">
@@ -4205,9 +4126,9 @@
           <a:solidFill>
             <a:schemeClr val="tx1"/>
           </a:solidFill>
-          <a:latin typeface="Verdana" pitchFamily="-110" charset="0"/>
-          <a:ea typeface="ＭＳ Ｐゴシック" pitchFamily="-110" charset="-128"/>
-          <a:cs typeface="ＭＳ Ｐゴシック" pitchFamily="-110" charset="-128"/>
+          <a:latin typeface="Verdana" panose="020B0604030504040204" pitchFamily="-110" charset="0"/>
+          <a:ea typeface="MS PGothic" pitchFamily="-110" charset="-128"/>
+          <a:cs typeface="MS PGothic" pitchFamily="-110" charset="-128"/>
         </a:defRPr>
       </a:lvl4pPr>
       <a:lvl5pPr algn="l" rtl="0" eaLnBrk="0" fontAlgn="base" hangingPunct="0">
@@ -4221,9 +4142,9 @@
           <a:solidFill>
             <a:schemeClr val="tx1"/>
           </a:solidFill>
-          <a:latin typeface="Verdana" pitchFamily="-110" charset="0"/>
-          <a:ea typeface="ＭＳ Ｐゴシック" pitchFamily="-110" charset="-128"/>
-          <a:cs typeface="ＭＳ Ｐゴシック" pitchFamily="-110" charset="-128"/>
+          <a:latin typeface="Verdana" panose="020B0604030504040204" pitchFamily="-110" charset="0"/>
+          <a:ea typeface="MS PGothic" pitchFamily="-110" charset="-128"/>
+          <a:cs typeface="MS PGothic" pitchFamily="-110" charset="-128"/>
         </a:defRPr>
       </a:lvl5pPr>
       <a:lvl6pPr marL="457200" algn="l" rtl="0" eaLnBrk="0" fontAlgn="base" hangingPunct="0">
@@ -4237,7 +4158,7 @@
           <a:solidFill>
             <a:schemeClr val="tx1"/>
           </a:solidFill>
-          <a:latin typeface="Verdana" pitchFamily="-110" charset="0"/>
+          <a:latin typeface="Verdana" panose="020B0604030504040204" pitchFamily="-110" charset="0"/>
         </a:defRPr>
       </a:lvl6pPr>
       <a:lvl7pPr marL="914400" algn="l" rtl="0" eaLnBrk="0" fontAlgn="base" hangingPunct="0">
@@ -4251,7 +4172,7 @@
           <a:solidFill>
             <a:schemeClr val="tx1"/>
           </a:solidFill>
-          <a:latin typeface="Verdana" pitchFamily="-110" charset="0"/>
+          <a:latin typeface="Verdana" panose="020B0604030504040204" pitchFamily="-110" charset="0"/>
         </a:defRPr>
       </a:lvl7pPr>
       <a:lvl8pPr marL="1371600" algn="l" rtl="0" eaLnBrk="0" fontAlgn="base" hangingPunct="0">
@@ -4265,7 +4186,7 @@
           <a:solidFill>
             <a:schemeClr val="tx1"/>
           </a:solidFill>
-          <a:latin typeface="Verdana" pitchFamily="-110" charset="0"/>
+          <a:latin typeface="Verdana" panose="020B0604030504040204" pitchFamily="-110" charset="0"/>
         </a:defRPr>
       </a:lvl8pPr>
       <a:lvl9pPr marL="1828800" algn="l" rtl="0" eaLnBrk="0" fontAlgn="base" hangingPunct="0">
@@ -4279,12 +4200,12 @@
           <a:solidFill>
             <a:schemeClr val="tx1"/>
           </a:solidFill>
-          <a:latin typeface="Verdana" pitchFamily="-110" charset="0"/>
+          <a:latin typeface="Verdana" panose="020B0604030504040204" pitchFamily="-110" charset="0"/>
         </a:defRPr>
       </a:lvl9pPr>
     </p:titleStyle>
     <p:bodyStyle>
-      <a:lvl1pPr marL="290513" indent="-290513" algn="l" rtl="0" eaLnBrk="0" fontAlgn="base" hangingPunct="0">
+      <a:lvl1pPr marL="290830" indent="-290830" algn="l" rtl="0" eaLnBrk="0" fontAlgn="base" hangingPunct="0">
         <a:spcBef>
           <a:spcPct val="20000"/>
         </a:spcBef>
@@ -4295,18 +4216,18 @@
           <a:schemeClr val="tx2"/>
         </a:buClr>
         <a:buSzPct val="65000"/>
-        <a:buFont typeface="Wingdings" pitchFamily="2" charset="2"/>
+        <a:buFont typeface="Wingdings" panose="05000000000000000000" pitchFamily="2" charset="2"/>
         <a:buChar char=""/>
         <a:defRPr sz="2400">
           <a:solidFill>
             <a:srgbClr val="000000"/>
           </a:solidFill>
           <a:latin typeface="+mn-lt"/>
-          <a:ea typeface="ＭＳ Ｐゴシック" pitchFamily="-110" charset="-128"/>
-          <a:cs typeface="ＭＳ Ｐゴシック" pitchFamily="-110" charset="-128"/>
+          <a:ea typeface="MS PGothic" pitchFamily="-110" charset="-128"/>
+          <a:cs typeface="MS PGothic" pitchFamily="-110" charset="-128"/>
         </a:defRPr>
       </a:lvl1pPr>
-      <a:lvl2pPr marL="633413" indent="-228600" algn="l" rtl="0" eaLnBrk="0" fontAlgn="base" hangingPunct="0">
+      <a:lvl2pPr marL="633730" indent="-228600" algn="l" rtl="0" eaLnBrk="0" fontAlgn="base" hangingPunct="0">
         <a:spcBef>
           <a:spcPct val="20000"/>
         </a:spcBef>
@@ -4322,11 +4243,11 @@
             <a:srgbClr val="000000"/>
           </a:solidFill>
           <a:latin typeface="+mn-lt"/>
-          <a:ea typeface="ＭＳ Ｐゴシック" pitchFamily="-110" charset="-128"/>
-          <a:cs typeface="ＭＳ Ｐゴシック"/>
+          <a:ea typeface="MS PGothic" pitchFamily="-110" charset="-128"/>
+          <a:cs typeface="MS PGothic"/>
         </a:defRPr>
       </a:lvl2pPr>
-      <a:lvl3pPr marL="969963" indent="-222250" algn="l" rtl="0" eaLnBrk="0" fontAlgn="base" hangingPunct="0">
+      <a:lvl3pPr marL="970280" indent="-222250" algn="l" rtl="0" eaLnBrk="0" fontAlgn="base" hangingPunct="0">
         <a:spcBef>
           <a:spcPct val="20000"/>
         </a:spcBef>
@@ -4339,11 +4260,11 @@
             <a:srgbClr val="000000"/>
           </a:solidFill>
           <a:latin typeface="+mn-lt"/>
-          <a:ea typeface="ＭＳ Ｐゴシック" pitchFamily="-110" charset="-128"/>
-          <a:cs typeface="ＭＳ Ｐゴシック"/>
+          <a:ea typeface="MS PGothic" pitchFamily="-110" charset="-128"/>
+          <a:cs typeface="MS PGothic"/>
         </a:defRPr>
       </a:lvl3pPr>
-      <a:lvl4pPr marL="1258888" indent="-228600" algn="l" rtl="0" eaLnBrk="0" fontAlgn="base" hangingPunct="0">
+      <a:lvl4pPr marL="1259205" indent="-228600" algn="l" rtl="0" eaLnBrk="0" fontAlgn="base" hangingPunct="0">
         <a:spcBef>
           <a:spcPct val="0"/>
         </a:spcBef>
@@ -4361,11 +4282,11 @@
             <a:srgbClr val="000000"/>
           </a:solidFill>
           <a:latin typeface="+mn-lt"/>
-          <a:ea typeface="ＭＳ Ｐゴシック" pitchFamily="-110" charset="-128"/>
-          <a:cs typeface="ＭＳ Ｐゴシック"/>
+          <a:ea typeface="MS PGothic" pitchFamily="-110" charset="-128"/>
+          <a:cs typeface="MS PGothic"/>
         </a:defRPr>
       </a:lvl4pPr>
-      <a:lvl5pPr marL="2055813" indent="-230188" algn="l" rtl="0" eaLnBrk="0" fontAlgn="base" hangingPunct="0">
+      <a:lvl5pPr marL="2056130" indent="-230505" algn="l" rtl="0" eaLnBrk="0" fontAlgn="base" hangingPunct="0">
         <a:spcBef>
           <a:spcPct val="20000"/>
         </a:spcBef>
@@ -4379,12 +4300,12 @@
           <a:solidFill>
             <a:schemeClr val="tx1"/>
           </a:solidFill>
-          <a:latin typeface="Times New Roman" pitchFamily="-110" charset="0"/>
-          <a:ea typeface="ＭＳ Ｐゴシック" pitchFamily="-110" charset="-128"/>
-          <a:cs typeface="ＭＳ Ｐゴシック"/>
+          <a:latin typeface="Times New Roman" panose="02020603050405020304" pitchFamily="-110" charset="0"/>
+          <a:ea typeface="MS PGothic" pitchFamily="-110" charset="-128"/>
+          <a:cs typeface="MS PGothic"/>
         </a:defRPr>
       </a:lvl5pPr>
-      <a:lvl6pPr marL="2513013" indent="-230188" algn="l" rtl="0" eaLnBrk="0" fontAlgn="base" hangingPunct="0">
+      <a:lvl6pPr marL="2513330" indent="-230505" algn="l" rtl="0" eaLnBrk="0" fontAlgn="base" hangingPunct="0">
         <a:spcBef>
           <a:spcPct val="20000"/>
         </a:spcBef>
@@ -4398,11 +4319,11 @@
           <a:solidFill>
             <a:schemeClr val="tx1"/>
           </a:solidFill>
-          <a:latin typeface="Times New Roman" pitchFamily="-110" charset="0"/>
-          <a:ea typeface="ＭＳ Ｐゴシック" pitchFamily="-110" charset="-128"/>
+          <a:latin typeface="Times New Roman" panose="02020603050405020304" pitchFamily="-110" charset="0"/>
+          <a:ea typeface="MS PGothic" pitchFamily="-110" charset="-128"/>
         </a:defRPr>
       </a:lvl6pPr>
-      <a:lvl7pPr marL="2970213" indent="-230188" algn="l" rtl="0" eaLnBrk="0" fontAlgn="base" hangingPunct="0">
+      <a:lvl7pPr marL="2970530" indent="-230505" algn="l" rtl="0" eaLnBrk="0" fontAlgn="base" hangingPunct="0">
         <a:spcBef>
           <a:spcPct val="20000"/>
         </a:spcBef>
@@ -4416,11 +4337,11 @@
           <a:solidFill>
             <a:schemeClr val="tx1"/>
           </a:solidFill>
-          <a:latin typeface="Times New Roman" pitchFamily="-110" charset="0"/>
-          <a:ea typeface="ＭＳ Ｐゴシック" pitchFamily="-110" charset="-128"/>
+          <a:latin typeface="Times New Roman" panose="02020603050405020304" pitchFamily="-110" charset="0"/>
+          <a:ea typeface="MS PGothic" pitchFamily="-110" charset="-128"/>
         </a:defRPr>
       </a:lvl7pPr>
-      <a:lvl8pPr marL="3427413" indent="-230188" algn="l" rtl="0" eaLnBrk="0" fontAlgn="base" hangingPunct="0">
+      <a:lvl8pPr marL="3427730" indent="-230505" algn="l" rtl="0" eaLnBrk="0" fontAlgn="base" hangingPunct="0">
         <a:spcBef>
           <a:spcPct val="20000"/>
         </a:spcBef>
@@ -4434,11 +4355,11 @@
           <a:solidFill>
             <a:schemeClr val="tx1"/>
           </a:solidFill>
-          <a:latin typeface="Times New Roman" pitchFamily="-110" charset="0"/>
-          <a:ea typeface="ＭＳ Ｐゴシック" pitchFamily="-110" charset="-128"/>
+          <a:latin typeface="Times New Roman" panose="02020603050405020304" pitchFamily="-110" charset="0"/>
+          <a:ea typeface="MS PGothic" pitchFamily="-110" charset="-128"/>
         </a:defRPr>
       </a:lvl8pPr>
-      <a:lvl9pPr marL="3884613" indent="-230188" algn="l" rtl="0" eaLnBrk="0" fontAlgn="base" hangingPunct="0">
+      <a:lvl9pPr marL="3884930" indent="-230505" algn="l" rtl="0" eaLnBrk="0" fontAlgn="base" hangingPunct="0">
         <a:spcBef>
           <a:spcPct val="20000"/>
         </a:spcBef>
@@ -4452,8 +4373,8 @@
           <a:solidFill>
             <a:schemeClr val="tx1"/>
           </a:solidFill>
-          <a:latin typeface="Times New Roman" pitchFamily="-110" charset="0"/>
-          <a:ea typeface="ＭＳ Ｐゴシック" pitchFamily="-110" charset="-128"/>
+          <a:latin typeface="Times New Roman" panose="02020603050405020304" pitchFamily="-110" charset="0"/>
+          <a:ea typeface="MS PGothic" pitchFamily="-110" charset="-128"/>
         </a:defRPr>
       </a:lvl9pPr>
     </p:bodyStyle>
@@ -4557,7 +4478,7 @@
 </file>
 
 <file path=ppt/slides/slide1.xml><?xml version="1.0" encoding="utf-8"?>
-<p:sld xmlns:a="http://schemas.openxmlformats.org/drawingml/2006/main" xmlns:p="http://schemas.openxmlformats.org/presentationml/2006/main" xmlns:r="http://schemas.openxmlformats.org/officeDocument/2006/relationships">
+<p:sld xmlns:a="http://schemas.openxmlformats.org/drawingml/2006/main" xmlns:r="http://schemas.openxmlformats.org/officeDocument/2006/relationships" xmlns:p="http://schemas.openxmlformats.org/presentationml/2006/main">
   <p:cSld>
     <p:spTree>
       <p:nvGrpSpPr>
@@ -4573,7 +4494,7 @@
             <a:spLocks noGrp="1"/>
           </p:cNvSpPr>
           <p:nvPr>
-            <p:ph type="subTitle" idx="1" sz="quarter"/>
+            <p:ph type="subTitle" sz="quarter" idx="1"/>
           </p:nvPr>
         </p:nvSpPr>
         <p:spPr/>
@@ -4656,6 +4577,11 @@
               </a:rPr>
               <a:t>Copyright © 2021 by Elephant Scale, All Rights Reserved</a:t>
             </a:r>
+            <a:endParaRPr sz="800">
+              <a:solidFill>
+                <a:srgbClr val="000000"/>
+              </a:solidFill>
+            </a:endParaRPr>
           </a:p>
         </p:txBody>
       </p:sp>
@@ -4668,7 +4594,7 @@
 </file>
 
 <file path=ppt/slides/slide10.xml><?xml version="1.0" encoding="utf-8"?>
-<p:sld xmlns:a="http://schemas.openxmlformats.org/drawingml/2006/main" xmlns:p="http://schemas.openxmlformats.org/presentationml/2006/main" xmlns:r="http://schemas.openxmlformats.org/officeDocument/2006/relationships">
+<p:sld xmlns:a="http://schemas.openxmlformats.org/drawingml/2006/main" xmlns:r="http://schemas.openxmlformats.org/officeDocument/2006/relationships" xmlns:p="http://schemas.openxmlformats.org/presentationml/2006/main">
   <p:cSld>
     <p:spTree>
       <p:nvGrpSpPr>
@@ -4756,6 +4682,11 @@
               </a:rPr>
               <a:t>Copyright © 2021 by Elephant Scale, All Rights Reserved</a:t>
             </a:r>
+            <a:endParaRPr sz="800">
+              <a:solidFill>
+                <a:srgbClr val="000000"/>
+              </a:solidFill>
+            </a:endParaRPr>
           </a:p>
         </p:txBody>
       </p:sp>
@@ -4768,14 +4699,14 @@
           <p:nvPr/>
         </p:nvPicPr>
         <p:blipFill>
-          <a:blip r:embed="rId2"/>
+          <a:blip r:embed="rId1"/>
           <a:stretch>
             <a:fillRect/>
           </a:stretch>
         </p:blipFill>
         <p:spPr>
           <a:xfrm>
-            <a:off x="704088" y="914400"/>
+            <a:off x="571373" y="2091690"/>
             <a:ext cx="7507224" cy="4471871"/>
           </a:xfrm>
           <a:prstGeom prst="rect">
@@ -4792,7 +4723,7 @@
 </file>
 
 <file path=ppt/slides/slide11.xml><?xml version="1.0" encoding="utf-8"?>
-<p:sld xmlns:a="http://schemas.openxmlformats.org/drawingml/2006/main" xmlns:p="http://schemas.openxmlformats.org/presentationml/2006/main" xmlns:r="http://schemas.openxmlformats.org/officeDocument/2006/relationships">
+<p:sld xmlns:a="http://schemas.openxmlformats.org/drawingml/2006/main" xmlns:r="http://schemas.openxmlformats.org/officeDocument/2006/relationships" xmlns:p="http://schemas.openxmlformats.org/presentationml/2006/main">
   <p:cSld>
     <p:spTree>
       <p:nvGrpSpPr>
@@ -4882,6 +4813,11 @@
               </a:rPr>
               <a:t>Copyright © 2021 by Elephant Scale, All Rights Reserved</a:t>
             </a:r>
+            <a:endParaRPr sz="800">
+              <a:solidFill>
+                <a:srgbClr val="000000"/>
+              </a:solidFill>
+            </a:endParaRPr>
           </a:p>
         </p:txBody>
       </p:sp>
@@ -4894,14 +4830,14 @@
           <p:nvPr/>
         </p:nvPicPr>
         <p:blipFill>
-          <a:blip r:embed="rId2"/>
+          <a:blip r:embed="rId1"/>
           <a:stretch>
             <a:fillRect/>
           </a:stretch>
         </p:blipFill>
         <p:spPr>
           <a:xfrm>
-            <a:off x="704088" y="914400"/>
+            <a:off x="647573" y="1710690"/>
             <a:ext cx="7507224" cy="4928903"/>
           </a:xfrm>
           <a:prstGeom prst="rect">
@@ -4918,7 +4854,7 @@
 </file>
 
 <file path=ppt/slides/slide12.xml><?xml version="1.0" encoding="utf-8"?>
-<p:sld xmlns:a="http://schemas.openxmlformats.org/drawingml/2006/main" xmlns:p="http://schemas.openxmlformats.org/presentationml/2006/main" xmlns:r="http://schemas.openxmlformats.org/officeDocument/2006/relationships">
+<p:sld xmlns:a="http://schemas.openxmlformats.org/drawingml/2006/main" xmlns:r="http://schemas.openxmlformats.org/officeDocument/2006/relationships" xmlns:p="http://schemas.openxmlformats.org/presentationml/2006/main">
   <p:cSld>
     <p:spTree>
       <p:nvGrpSpPr>
@@ -5001,6 +4937,11 @@
               </a:rPr>
               <a:t>Copyright © 2021 by Elephant Scale, All Rights Reserved</a:t>
             </a:r>
+            <a:endParaRPr sz="800">
+              <a:solidFill>
+                <a:srgbClr val="000000"/>
+              </a:solidFill>
+            </a:endParaRPr>
           </a:p>
         </p:txBody>
       </p:sp>
@@ -5013,7 +4954,7 @@
           <p:nvPr/>
         </p:nvPicPr>
         <p:blipFill>
-          <a:blip r:embed="rId2"/>
+          <a:blip r:embed="rId1"/>
           <a:stretch>
             <a:fillRect/>
           </a:stretch>
@@ -5037,7 +4978,7 @@
 </file>
 
 <file path=ppt/slides/slide13.xml><?xml version="1.0" encoding="utf-8"?>
-<p:sld xmlns:a="http://schemas.openxmlformats.org/drawingml/2006/main" xmlns:p="http://schemas.openxmlformats.org/presentationml/2006/main" xmlns:r="http://schemas.openxmlformats.org/officeDocument/2006/relationships">
+<p:sld xmlns:a="http://schemas.openxmlformats.org/drawingml/2006/main" xmlns:r="http://schemas.openxmlformats.org/officeDocument/2006/relationships" xmlns:p="http://schemas.openxmlformats.org/presentationml/2006/main">
   <p:cSld>
     <p:spTree>
       <p:nvGrpSpPr>
@@ -5121,6 +5062,11 @@
               </a:rPr>
               <a:t>Copyright © 2021 by Elephant Scale, All Rights Reserved</a:t>
             </a:r>
+            <a:endParaRPr sz="800">
+              <a:solidFill>
+                <a:srgbClr val="000000"/>
+              </a:solidFill>
+            </a:endParaRPr>
           </a:p>
         </p:txBody>
       </p:sp>
@@ -5133,7 +5079,7 @@
           <p:nvPr/>
         </p:nvPicPr>
         <p:blipFill>
-          <a:blip r:embed="rId2"/>
+          <a:blip r:embed="rId1"/>
           <a:stretch>
             <a:fillRect/>
           </a:stretch>
@@ -5157,7 +5103,7 @@
 </file>
 
 <file path=ppt/slides/slide14.xml><?xml version="1.0" encoding="utf-8"?>
-<p:sld xmlns:a="http://schemas.openxmlformats.org/drawingml/2006/main" xmlns:p="http://schemas.openxmlformats.org/presentationml/2006/main" xmlns:r="http://schemas.openxmlformats.org/officeDocument/2006/relationships">
+<p:sld xmlns:a="http://schemas.openxmlformats.org/drawingml/2006/main" xmlns:r="http://schemas.openxmlformats.org/officeDocument/2006/relationships" xmlns:p="http://schemas.openxmlformats.org/presentationml/2006/main">
   <p:cSld>
     <p:spTree>
       <p:nvGrpSpPr>
@@ -5239,6 +5185,11 @@
               </a:rPr>
               <a:t>Copyright © 2021 by Elephant Scale, All Rights Reserved</a:t>
             </a:r>
+            <a:endParaRPr sz="800">
+              <a:solidFill>
+                <a:srgbClr val="000000"/>
+              </a:solidFill>
+            </a:endParaRPr>
           </a:p>
         </p:txBody>
       </p:sp>
@@ -5251,7 +5202,7 @@
           <p:nvPr/>
         </p:nvPicPr>
         <p:blipFill>
-          <a:blip r:embed="rId2"/>
+          <a:blip r:embed="rId1"/>
           <a:stretch>
             <a:fillRect/>
           </a:stretch>
@@ -5275,7 +5226,7 @@
 </file>
 
 <file path=ppt/slides/slide15.xml><?xml version="1.0" encoding="utf-8"?>
-<p:sld xmlns:a="http://schemas.openxmlformats.org/drawingml/2006/main" xmlns:p="http://schemas.openxmlformats.org/presentationml/2006/main" xmlns:r="http://schemas.openxmlformats.org/officeDocument/2006/relationships">
+<p:sld xmlns:a="http://schemas.openxmlformats.org/drawingml/2006/main" xmlns:r="http://schemas.openxmlformats.org/officeDocument/2006/relationships" xmlns:p="http://schemas.openxmlformats.org/presentationml/2006/main">
   <p:cSld>
     <p:spTree>
       <p:nvGrpSpPr>
@@ -5362,6 +5313,11 @@
               </a:rPr>
               <a:t>Copyright © 2021 by Elephant Scale, All Rights Reserved</a:t>
             </a:r>
+            <a:endParaRPr sz="800">
+              <a:solidFill>
+                <a:srgbClr val="000000"/>
+              </a:solidFill>
+            </a:endParaRPr>
           </a:p>
         </p:txBody>
       </p:sp>
@@ -5374,7 +5330,7 @@
           <p:nvPr/>
         </p:nvPicPr>
         <p:blipFill>
-          <a:blip r:embed="rId2"/>
+          <a:blip r:embed="rId1"/>
           <a:stretch>
             <a:fillRect/>
           </a:stretch>
@@ -5398,7 +5354,7 @@
 </file>
 
 <file path=ppt/slides/slide16.xml><?xml version="1.0" encoding="utf-8"?>
-<p:sld xmlns:a="http://schemas.openxmlformats.org/drawingml/2006/main" xmlns:p="http://schemas.openxmlformats.org/presentationml/2006/main" xmlns:r="http://schemas.openxmlformats.org/officeDocument/2006/relationships">
+<p:sld xmlns:a="http://schemas.openxmlformats.org/drawingml/2006/main" xmlns:r="http://schemas.openxmlformats.org/officeDocument/2006/relationships" xmlns:p="http://schemas.openxmlformats.org/presentationml/2006/main">
   <p:cSld>
     <p:spTree>
       <p:nvGrpSpPr>
@@ -5488,6 +5444,11 @@
               </a:rPr>
               <a:t>Copyright © 2021 by Elephant Scale, All Rights Reserved</a:t>
             </a:r>
+            <a:endParaRPr sz="800">
+              <a:solidFill>
+                <a:srgbClr val="000000"/>
+              </a:solidFill>
+            </a:endParaRPr>
           </a:p>
         </p:txBody>
       </p:sp>
@@ -5500,14 +5461,14 @@
           <p:nvPr/>
         </p:nvPicPr>
         <p:blipFill>
-          <a:blip r:embed="rId2"/>
+          <a:blip r:embed="rId1"/>
           <a:stretch>
             <a:fillRect/>
           </a:stretch>
         </p:blipFill>
         <p:spPr>
           <a:xfrm>
-            <a:off x="704088" y="914400"/>
+            <a:off x="647573" y="1710690"/>
             <a:ext cx="7507224" cy="3127161"/>
           </a:xfrm>
           <a:prstGeom prst="rect">
@@ -5524,7 +5485,7 @@
 </file>
 
 <file path=ppt/slides/slide17.xml><?xml version="1.0" encoding="utf-8"?>
-<p:sld xmlns:a="http://schemas.openxmlformats.org/drawingml/2006/main" xmlns:p="http://schemas.openxmlformats.org/presentationml/2006/main" xmlns:r="http://schemas.openxmlformats.org/officeDocument/2006/relationships">
+<p:sld xmlns:a="http://schemas.openxmlformats.org/drawingml/2006/main" xmlns:r="http://schemas.openxmlformats.org/officeDocument/2006/relationships" xmlns:p="http://schemas.openxmlformats.org/presentationml/2006/main">
   <p:cSld>
     <p:spTree>
       <p:nvGrpSpPr>
@@ -5576,10 +5537,13 @@
           <a:p>
             <a:r>
               <a:rPr>
-                <a:hlinkClick r:id="rId2"/>
+                <a:hlinkClick r:id="rId1"/>
               </a:rPr>
               <a:t> https://github.com/elephantscale/vault-consul-labs-answers/tree/main/lab31</a:t>
             </a:r>
+            <a:endParaRPr>
+              <a:hlinkClick r:id="rId1"/>
+            </a:endParaRPr>
           </a:p>
         </p:txBody>
       </p:sp>
@@ -5613,6 +5577,11 @@
               </a:rPr>
               <a:t>Copyright © 2021 by Elephant Scale, All Rights Reserved</a:t>
             </a:r>
+            <a:endParaRPr sz="800">
+              <a:solidFill>
+                <a:srgbClr val="000000"/>
+              </a:solidFill>
+            </a:endParaRPr>
           </a:p>
         </p:txBody>
       </p:sp>
@@ -5625,7 +5594,7 @@
 </file>
 
 <file path=ppt/slides/slide18.xml><?xml version="1.0" encoding="utf-8"?>
-<p:sld xmlns:a="http://schemas.openxmlformats.org/drawingml/2006/main" xmlns:p="http://schemas.openxmlformats.org/presentationml/2006/main" xmlns:r="http://schemas.openxmlformats.org/officeDocument/2006/relationships">
+<p:sld xmlns:a="http://schemas.openxmlformats.org/drawingml/2006/main" xmlns:r="http://schemas.openxmlformats.org/officeDocument/2006/relationships" xmlns:p="http://schemas.openxmlformats.org/presentationml/2006/main">
   <p:cSld>
     <p:spTree>
       <p:nvGrpSpPr>
@@ -5641,7 +5610,7 @@
             <a:spLocks noGrp="1"/>
           </p:cNvSpPr>
           <p:nvPr>
-            <p:ph type="subTitle" idx="1" sz="quarter"/>
+            <p:ph type="subTitle" sz="quarter" idx="1"/>
           </p:nvPr>
         </p:nvSpPr>
         <p:spPr/>
@@ -5723,6 +5692,11 @@
               </a:rPr>
               <a:t>Copyright © 2021 by Elephant Scale, All Rights Reserved</a:t>
             </a:r>
+            <a:endParaRPr sz="800">
+              <a:solidFill>
+                <a:srgbClr val="000000"/>
+              </a:solidFill>
+            </a:endParaRPr>
           </a:p>
         </p:txBody>
       </p:sp>
@@ -5735,7 +5709,7 @@
 </file>
 
 <file path=ppt/slides/slide19.xml><?xml version="1.0" encoding="utf-8"?>
-<p:sld xmlns:a="http://schemas.openxmlformats.org/drawingml/2006/main" xmlns:p="http://schemas.openxmlformats.org/presentationml/2006/main" xmlns:r="http://schemas.openxmlformats.org/officeDocument/2006/relationships">
+<p:sld xmlns:a="http://schemas.openxmlformats.org/drawingml/2006/main" xmlns:r="http://schemas.openxmlformats.org/officeDocument/2006/relationships" xmlns:p="http://schemas.openxmlformats.org/presentationml/2006/main">
   <p:cSld>
     <p:spTree>
       <p:nvGrpSpPr>
@@ -5812,6 +5786,11 @@
               </a:rPr>
               <a:t>Copyright © 2021 by Elephant Scale, All Rights Reserved</a:t>
             </a:r>
+            <a:endParaRPr sz="800">
+              <a:solidFill>
+                <a:srgbClr val="000000"/>
+              </a:solidFill>
+            </a:endParaRPr>
           </a:p>
         </p:txBody>
       </p:sp>
@@ -5824,7 +5803,7 @@
 </file>
 
 <file path=ppt/slides/slide2.xml><?xml version="1.0" encoding="utf-8"?>
-<p:sld xmlns:a="http://schemas.openxmlformats.org/drawingml/2006/main" xmlns:p="http://schemas.openxmlformats.org/presentationml/2006/main" xmlns:r="http://schemas.openxmlformats.org/officeDocument/2006/relationships">
+<p:sld xmlns:a="http://schemas.openxmlformats.org/drawingml/2006/main" xmlns:r="http://schemas.openxmlformats.org/officeDocument/2006/relationships" xmlns:p="http://schemas.openxmlformats.org/presentationml/2006/main">
   <p:cSld>
     <p:spTree>
       <p:nvGrpSpPr>
@@ -5840,7 +5819,7 @@
             <a:spLocks noGrp="1"/>
           </p:cNvSpPr>
           <p:nvPr>
-            <p:ph type="subTitle" idx="1" sz="quarter"/>
+            <p:ph type="subTitle" sz="quarter" idx="1"/>
           </p:nvPr>
         </p:nvSpPr>
         <p:spPr/>
@@ -5922,6 +5901,11 @@
               </a:rPr>
               <a:t>Copyright © 2021 by Elephant Scale, All Rights Reserved</a:t>
             </a:r>
+            <a:endParaRPr sz="800">
+              <a:solidFill>
+                <a:srgbClr val="000000"/>
+              </a:solidFill>
+            </a:endParaRPr>
           </a:p>
         </p:txBody>
       </p:sp>
@@ -5934,7 +5918,7 @@
 </file>
 
 <file path=ppt/slides/slide20.xml><?xml version="1.0" encoding="utf-8"?>
-<p:sld xmlns:a="http://schemas.openxmlformats.org/drawingml/2006/main" xmlns:p="http://schemas.openxmlformats.org/presentationml/2006/main" xmlns:r="http://schemas.openxmlformats.org/officeDocument/2006/relationships">
+<p:sld xmlns:a="http://schemas.openxmlformats.org/drawingml/2006/main" xmlns:r="http://schemas.openxmlformats.org/officeDocument/2006/relationships" xmlns:p="http://schemas.openxmlformats.org/presentationml/2006/main">
   <p:cSld>
     <p:spTree>
       <p:nvGrpSpPr>
@@ -5950,7 +5934,7 @@
             <a:spLocks noGrp="1"/>
           </p:cNvSpPr>
           <p:nvPr>
-            <p:ph type="subTitle" idx="1" sz="quarter"/>
+            <p:ph type="subTitle" sz="quarter" idx="1"/>
           </p:nvPr>
         </p:nvSpPr>
         <p:spPr/>
@@ -6032,6 +6016,11 @@
               </a:rPr>
               <a:t>Copyright © 2021 by Elephant Scale, All Rights Reserved</a:t>
             </a:r>
+            <a:endParaRPr sz="800">
+              <a:solidFill>
+                <a:srgbClr val="000000"/>
+              </a:solidFill>
+            </a:endParaRPr>
           </a:p>
         </p:txBody>
       </p:sp>
@@ -6044,7 +6033,7 @@
 </file>
 
 <file path=ppt/slides/slide21.xml><?xml version="1.0" encoding="utf-8"?>
-<p:sld xmlns:a="http://schemas.openxmlformats.org/drawingml/2006/main" xmlns:p="http://schemas.openxmlformats.org/presentationml/2006/main" xmlns:r="http://schemas.openxmlformats.org/officeDocument/2006/relationships">
+<p:sld xmlns:a="http://schemas.openxmlformats.org/drawingml/2006/main" xmlns:r="http://schemas.openxmlformats.org/officeDocument/2006/relationships" xmlns:p="http://schemas.openxmlformats.org/presentationml/2006/main">
   <p:cSld>
     <p:spTree>
       <p:nvGrpSpPr>
@@ -6158,6 +6147,11 @@
               </a:rPr>
               <a:t>Copyright © 2021 by Elephant Scale, All Rights Reserved</a:t>
             </a:r>
+            <a:endParaRPr sz="800">
+              <a:solidFill>
+                <a:srgbClr val="000000"/>
+              </a:solidFill>
+            </a:endParaRPr>
           </a:p>
         </p:txBody>
       </p:sp>
@@ -6170,7 +6164,7 @@
 </file>
 
 <file path=ppt/slides/slide22.xml><?xml version="1.0" encoding="utf-8"?>
-<p:sld xmlns:a="http://schemas.openxmlformats.org/drawingml/2006/main" xmlns:p="http://schemas.openxmlformats.org/presentationml/2006/main" xmlns:r="http://schemas.openxmlformats.org/officeDocument/2006/relationships">
+<p:sld xmlns:a="http://schemas.openxmlformats.org/drawingml/2006/main" xmlns:r="http://schemas.openxmlformats.org/officeDocument/2006/relationships" xmlns:p="http://schemas.openxmlformats.org/presentationml/2006/main">
   <p:cSld>
     <p:spTree>
       <p:nvGrpSpPr>
@@ -6255,6 +6249,11 @@
               </a:rPr>
               <a:t>Copyright © 2021 by Elephant Scale, All Rights Reserved</a:t>
             </a:r>
+            <a:endParaRPr sz="800">
+              <a:solidFill>
+                <a:srgbClr val="000000"/>
+              </a:solidFill>
+            </a:endParaRPr>
           </a:p>
         </p:txBody>
       </p:sp>
@@ -6267,7 +6266,7 @@
           <p:nvPr/>
         </p:nvPicPr>
         <p:blipFill>
-          <a:blip r:embed="rId2"/>
+          <a:blip r:embed="rId1"/>
           <a:stretch>
             <a:fillRect/>
           </a:stretch>
@@ -6291,7 +6290,7 @@
 </file>
 
 <file path=ppt/slides/slide23.xml><?xml version="1.0" encoding="utf-8"?>
-<p:sld xmlns:a="http://schemas.openxmlformats.org/drawingml/2006/main" xmlns:p="http://schemas.openxmlformats.org/presentationml/2006/main" xmlns:r="http://schemas.openxmlformats.org/officeDocument/2006/relationships">
+<p:sld xmlns:a="http://schemas.openxmlformats.org/drawingml/2006/main" xmlns:r="http://schemas.openxmlformats.org/officeDocument/2006/relationships" xmlns:p="http://schemas.openxmlformats.org/presentationml/2006/main">
   <p:cSld>
     <p:spTree>
       <p:nvGrpSpPr>
@@ -6381,6 +6380,11 @@
               </a:rPr>
               <a:t>Copyright © 2021 by Elephant Scale, All Rights Reserved</a:t>
             </a:r>
+            <a:endParaRPr sz="800">
+              <a:solidFill>
+                <a:srgbClr val="000000"/>
+              </a:solidFill>
+            </a:endParaRPr>
           </a:p>
         </p:txBody>
       </p:sp>
@@ -6393,7 +6397,7 @@
           <p:nvPr/>
         </p:nvPicPr>
         <p:blipFill>
-          <a:blip r:embed="rId2"/>
+          <a:blip r:embed="rId1"/>
           <a:stretch>
             <a:fillRect/>
           </a:stretch>
@@ -6417,7 +6421,7 @@
 </file>
 
 <file path=ppt/slides/slide24.xml><?xml version="1.0" encoding="utf-8"?>
-<p:sld xmlns:a="http://schemas.openxmlformats.org/drawingml/2006/main" xmlns:p="http://schemas.openxmlformats.org/presentationml/2006/main" xmlns:r="http://schemas.openxmlformats.org/officeDocument/2006/relationships">
+<p:sld xmlns:a="http://schemas.openxmlformats.org/drawingml/2006/main" xmlns:r="http://schemas.openxmlformats.org/officeDocument/2006/relationships" xmlns:p="http://schemas.openxmlformats.org/presentationml/2006/main">
   <p:cSld>
     <p:spTree>
       <p:nvGrpSpPr>
@@ -6518,6 +6522,11 @@
               </a:rPr>
               <a:t>Copyright © 2021 by Elephant Scale, All Rights Reserved</a:t>
             </a:r>
+            <a:endParaRPr sz="800">
+              <a:solidFill>
+                <a:srgbClr val="000000"/>
+              </a:solidFill>
+            </a:endParaRPr>
           </a:p>
         </p:txBody>
       </p:sp>
@@ -6530,7 +6539,7 @@
 </file>
 
 <file path=ppt/slides/slide25.xml><?xml version="1.0" encoding="utf-8"?>
-<p:sld xmlns:a="http://schemas.openxmlformats.org/drawingml/2006/main" xmlns:p="http://schemas.openxmlformats.org/presentationml/2006/main" xmlns:r="http://schemas.openxmlformats.org/officeDocument/2006/relationships">
+<p:sld xmlns:a="http://schemas.openxmlformats.org/drawingml/2006/main" xmlns:r="http://schemas.openxmlformats.org/officeDocument/2006/relationships" xmlns:p="http://schemas.openxmlformats.org/presentationml/2006/main">
   <p:cSld>
     <p:spTree>
       <p:nvGrpSpPr>
@@ -6624,6 +6633,11 @@
               </a:rPr>
               <a:t>Copyright © 2021 by Elephant Scale, All Rights Reserved</a:t>
             </a:r>
+            <a:endParaRPr sz="800">
+              <a:solidFill>
+                <a:srgbClr val="000000"/>
+              </a:solidFill>
+            </a:endParaRPr>
           </a:p>
         </p:txBody>
       </p:sp>
@@ -6636,7 +6650,7 @@
 </file>
 
 <file path=ppt/slides/slide26.xml><?xml version="1.0" encoding="utf-8"?>
-<p:sld xmlns:a="http://schemas.openxmlformats.org/drawingml/2006/main" xmlns:p="http://schemas.openxmlformats.org/presentationml/2006/main" xmlns:r="http://schemas.openxmlformats.org/officeDocument/2006/relationships">
+<p:sld xmlns:a="http://schemas.openxmlformats.org/drawingml/2006/main" xmlns:r="http://schemas.openxmlformats.org/officeDocument/2006/relationships" xmlns:p="http://schemas.openxmlformats.org/presentationml/2006/main">
   <p:cSld>
     <p:spTree>
       <p:nvGrpSpPr>
@@ -6734,6 +6748,11 @@
               </a:rPr>
               <a:t>Copyright © 2021 by Elephant Scale, All Rights Reserved</a:t>
             </a:r>
+            <a:endParaRPr sz="800">
+              <a:solidFill>
+                <a:srgbClr val="000000"/>
+              </a:solidFill>
+            </a:endParaRPr>
           </a:p>
         </p:txBody>
       </p:sp>
@@ -6746,7 +6765,7 @@
 </file>
 
 <file path=ppt/slides/slide27.xml><?xml version="1.0" encoding="utf-8"?>
-<p:sld xmlns:a="http://schemas.openxmlformats.org/drawingml/2006/main" xmlns:p="http://schemas.openxmlformats.org/presentationml/2006/main" xmlns:r="http://schemas.openxmlformats.org/officeDocument/2006/relationships">
+<p:sld xmlns:a="http://schemas.openxmlformats.org/drawingml/2006/main" xmlns:r="http://schemas.openxmlformats.org/officeDocument/2006/relationships" xmlns:p="http://schemas.openxmlformats.org/presentationml/2006/main">
   <p:cSld>
     <p:spTree>
       <p:nvGrpSpPr>
@@ -6860,6 +6879,11 @@
               </a:rPr>
               <a:t>Copyright © 2021 by Elephant Scale, All Rights Reserved</a:t>
             </a:r>
+            <a:endParaRPr sz="800">
+              <a:solidFill>
+                <a:srgbClr val="000000"/>
+              </a:solidFill>
+            </a:endParaRPr>
           </a:p>
         </p:txBody>
       </p:sp>
@@ -6872,7 +6896,7 @@
 </file>
 
 <file path=ppt/slides/slide28.xml><?xml version="1.0" encoding="utf-8"?>
-<p:sld xmlns:a="http://schemas.openxmlformats.org/drawingml/2006/main" xmlns:p="http://schemas.openxmlformats.org/presentationml/2006/main" xmlns:r="http://schemas.openxmlformats.org/officeDocument/2006/relationships">
+<p:sld xmlns:a="http://schemas.openxmlformats.org/drawingml/2006/main" xmlns:r="http://schemas.openxmlformats.org/officeDocument/2006/relationships" xmlns:p="http://schemas.openxmlformats.org/presentationml/2006/main">
   <p:cSld>
     <p:spTree>
       <p:nvGrpSpPr>
@@ -6952,6 +6976,11 @@
               </a:rPr>
               <a:t>Copyright © 2021 by Elephant Scale, All Rights Reserved</a:t>
             </a:r>
+            <a:endParaRPr sz="800">
+              <a:solidFill>
+                <a:srgbClr val="000000"/>
+              </a:solidFill>
+            </a:endParaRPr>
           </a:p>
         </p:txBody>
       </p:sp>
@@ -6964,14 +6993,14 @@
           <p:nvPr/>
         </p:nvPicPr>
         <p:blipFill>
-          <a:blip r:embed="rId2"/>
+          <a:blip r:embed="rId1"/>
           <a:stretch>
             <a:fillRect/>
           </a:stretch>
         </p:blipFill>
         <p:spPr>
           <a:xfrm>
-            <a:off x="704088" y="914400"/>
+            <a:off x="342773" y="1710690"/>
             <a:ext cx="8839200" cy="1917700"/>
           </a:xfrm>
           <a:prstGeom prst="rect">
@@ -6988,7 +7017,7 @@
 </file>
 
 <file path=ppt/slides/slide29.xml><?xml version="1.0" encoding="utf-8"?>
-<p:sld xmlns:a="http://schemas.openxmlformats.org/drawingml/2006/main" xmlns:p="http://schemas.openxmlformats.org/presentationml/2006/main" xmlns:r="http://schemas.openxmlformats.org/officeDocument/2006/relationships">
+<p:sld xmlns:a="http://schemas.openxmlformats.org/drawingml/2006/main" xmlns:r="http://schemas.openxmlformats.org/officeDocument/2006/relationships" xmlns:p="http://schemas.openxmlformats.org/presentationml/2006/main">
   <p:cSld>
     <p:spTree>
       <p:nvGrpSpPr>
@@ -7078,6 +7107,11 @@
               </a:rPr>
               <a:t>Copyright © 2021 by Elephant Scale, All Rights Reserved</a:t>
             </a:r>
+            <a:endParaRPr sz="800">
+              <a:solidFill>
+                <a:srgbClr val="000000"/>
+              </a:solidFill>
+            </a:endParaRPr>
           </a:p>
         </p:txBody>
       </p:sp>
@@ -7090,7 +7124,7 @@
           <p:nvPr/>
         </p:nvPicPr>
         <p:blipFill>
-          <a:blip r:embed="rId2"/>
+          <a:blip r:embed="rId1"/>
           <a:stretch>
             <a:fillRect/>
           </a:stretch>
@@ -7114,7 +7148,7 @@
 </file>
 
 <file path=ppt/slides/slide3.xml><?xml version="1.0" encoding="utf-8"?>
-<p:sld xmlns:a="http://schemas.openxmlformats.org/drawingml/2006/main" xmlns:p="http://schemas.openxmlformats.org/presentationml/2006/main" xmlns:r="http://schemas.openxmlformats.org/officeDocument/2006/relationships">
+<p:sld xmlns:a="http://schemas.openxmlformats.org/drawingml/2006/main" xmlns:r="http://schemas.openxmlformats.org/officeDocument/2006/relationships" xmlns:p="http://schemas.openxmlformats.org/presentationml/2006/main">
   <p:cSld>
     <p:spTree>
       <p:nvGrpSpPr>
@@ -7195,6 +7229,11 @@
               </a:rPr>
               <a:t>Copyright © 2021 by Elephant Scale, All Rights Reserved</a:t>
             </a:r>
+            <a:endParaRPr sz="800">
+              <a:solidFill>
+                <a:srgbClr val="000000"/>
+              </a:solidFill>
+            </a:endParaRPr>
           </a:p>
         </p:txBody>
       </p:sp>
@@ -7207,7 +7246,7 @@
           <p:nvPr/>
         </p:nvPicPr>
         <p:blipFill>
-          <a:blip r:embed="rId2"/>
+          <a:blip r:embed="rId1"/>
           <a:stretch>
             <a:fillRect/>
           </a:stretch>
@@ -7231,7 +7270,7 @@
 </file>
 
 <file path=ppt/slides/slide30.xml><?xml version="1.0" encoding="utf-8"?>
-<p:sld xmlns:a="http://schemas.openxmlformats.org/drawingml/2006/main" xmlns:p="http://schemas.openxmlformats.org/presentationml/2006/main" xmlns:r="http://schemas.openxmlformats.org/officeDocument/2006/relationships">
+<p:sld xmlns:a="http://schemas.openxmlformats.org/drawingml/2006/main" xmlns:r="http://schemas.openxmlformats.org/officeDocument/2006/relationships" xmlns:p="http://schemas.openxmlformats.org/presentationml/2006/main">
   <p:cSld>
     <p:spTree>
       <p:nvGrpSpPr>
@@ -7331,6 +7370,11 @@
               </a:rPr>
               <a:t>Copyright © 2021 by Elephant Scale, All Rights Reserved</a:t>
             </a:r>
+            <a:endParaRPr sz="800">
+              <a:solidFill>
+                <a:srgbClr val="000000"/>
+              </a:solidFill>
+            </a:endParaRPr>
           </a:p>
         </p:txBody>
       </p:sp>
@@ -7343,7 +7387,7 @@
           <p:nvPr/>
         </p:nvPicPr>
         <p:blipFill>
-          <a:blip r:embed="rId2"/>
+          <a:blip r:embed="rId1"/>
           <a:stretch>
             <a:fillRect/>
           </a:stretch>
@@ -7367,7 +7411,7 @@
 </file>
 
 <file path=ppt/slides/slide31.xml><?xml version="1.0" encoding="utf-8"?>
-<p:sld xmlns:a="http://schemas.openxmlformats.org/drawingml/2006/main" xmlns:p="http://schemas.openxmlformats.org/presentationml/2006/main" xmlns:r="http://schemas.openxmlformats.org/officeDocument/2006/relationships">
+<p:sld xmlns:a="http://schemas.openxmlformats.org/drawingml/2006/main" xmlns:r="http://schemas.openxmlformats.org/officeDocument/2006/relationships" xmlns:p="http://schemas.openxmlformats.org/presentationml/2006/main">
   <p:cSld>
     <p:spTree>
       <p:nvGrpSpPr>
@@ -7383,7 +7427,7 @@
             <a:spLocks noGrp="1"/>
           </p:cNvSpPr>
           <p:nvPr>
-            <p:ph type="subTitle" idx="1" sz="quarter"/>
+            <p:ph type="subTitle" sz="quarter" idx="1"/>
           </p:nvPr>
         </p:nvSpPr>
         <p:spPr/>
@@ -7411,6 +7455,7 @@
               <a:t>Terraform integration
 </a:t>
             </a:r>
+            <a:endParaRPr b="1"/>
           </a:p>
         </p:txBody>
       </p:sp>
@@ -7465,6 +7510,11 @@
               </a:rPr>
               <a:t>Copyright © 2021 by Elephant Scale, All Rights Reserved</a:t>
             </a:r>
+            <a:endParaRPr sz="800">
+              <a:solidFill>
+                <a:srgbClr val="000000"/>
+              </a:solidFill>
+            </a:endParaRPr>
           </a:p>
         </p:txBody>
       </p:sp>
@@ -7477,7 +7527,7 @@
 </file>
 
 <file path=ppt/slides/slide32.xml><?xml version="1.0" encoding="utf-8"?>
-<p:sld xmlns:a="http://schemas.openxmlformats.org/drawingml/2006/main" xmlns:p="http://schemas.openxmlformats.org/presentationml/2006/main" xmlns:r="http://schemas.openxmlformats.org/officeDocument/2006/relationships">
+<p:sld xmlns:a="http://schemas.openxmlformats.org/drawingml/2006/main" xmlns:r="http://schemas.openxmlformats.org/officeDocument/2006/relationships" xmlns:p="http://schemas.openxmlformats.org/presentationml/2006/main">
   <p:cSld>
     <p:spTree>
       <p:nvGrpSpPr>
@@ -7567,6 +7617,11 @@
               </a:rPr>
               <a:t>Copyright © 2021 by Elephant Scale, All Rights Reserved</a:t>
             </a:r>
+            <a:endParaRPr sz="800">
+              <a:solidFill>
+                <a:srgbClr val="000000"/>
+              </a:solidFill>
+            </a:endParaRPr>
           </a:p>
         </p:txBody>
       </p:sp>
@@ -7579,7 +7634,7 @@
           <p:nvPr/>
         </p:nvPicPr>
         <p:blipFill>
-          <a:blip r:embed="rId2"/>
+          <a:blip r:embed="rId1"/>
           <a:stretch>
             <a:fillRect/>
           </a:stretch>
@@ -7603,7 +7658,7 @@
 </file>
 
 <file path=ppt/slides/slide33.xml><?xml version="1.0" encoding="utf-8"?>
-<p:sld xmlns:a="http://schemas.openxmlformats.org/drawingml/2006/main" xmlns:p="http://schemas.openxmlformats.org/presentationml/2006/main" xmlns:r="http://schemas.openxmlformats.org/officeDocument/2006/relationships">
+<p:sld xmlns:a="http://schemas.openxmlformats.org/drawingml/2006/main" xmlns:r="http://schemas.openxmlformats.org/officeDocument/2006/relationships" xmlns:p="http://schemas.openxmlformats.org/presentationml/2006/main">
   <p:cSld>
     <p:spTree>
       <p:nvGrpSpPr>
@@ -7694,6 +7749,11 @@
               </a:rPr>
               <a:t>Copyright © 2021 by Elephant Scale, All Rights Reserved</a:t>
             </a:r>
+            <a:endParaRPr sz="800">
+              <a:solidFill>
+                <a:srgbClr val="000000"/>
+              </a:solidFill>
+            </a:endParaRPr>
           </a:p>
         </p:txBody>
       </p:sp>
@@ -7706,7 +7766,7 @@
 </file>
 
 <file path=ppt/slides/slide34.xml><?xml version="1.0" encoding="utf-8"?>
-<p:sld xmlns:a="http://schemas.openxmlformats.org/drawingml/2006/main" xmlns:p="http://schemas.openxmlformats.org/presentationml/2006/main" xmlns:r="http://schemas.openxmlformats.org/officeDocument/2006/relationships">
+<p:sld xmlns:a="http://schemas.openxmlformats.org/drawingml/2006/main" xmlns:r="http://schemas.openxmlformats.org/officeDocument/2006/relationships" xmlns:p="http://schemas.openxmlformats.org/presentationml/2006/main">
   <p:cSld>
     <p:spTree>
       <p:nvGrpSpPr>
@@ -7823,6 +7883,11 @@
               </a:rPr>
               <a:t>Copyright © 2021 by Elephant Scale, All Rights Reserved</a:t>
             </a:r>
+            <a:endParaRPr sz="800">
+              <a:solidFill>
+                <a:srgbClr val="000000"/>
+              </a:solidFill>
+            </a:endParaRPr>
           </a:p>
         </p:txBody>
       </p:sp>
@@ -7835,7 +7900,7 @@
 </file>
 
 <file path=ppt/slides/slide35.xml><?xml version="1.0" encoding="utf-8"?>
-<p:sld xmlns:a="http://schemas.openxmlformats.org/drawingml/2006/main" xmlns:p="http://schemas.openxmlformats.org/presentationml/2006/main" xmlns:r="http://schemas.openxmlformats.org/officeDocument/2006/relationships">
+<p:sld xmlns:a="http://schemas.openxmlformats.org/drawingml/2006/main" xmlns:r="http://schemas.openxmlformats.org/officeDocument/2006/relationships" xmlns:p="http://schemas.openxmlformats.org/presentationml/2006/main">
   <p:cSld>
     <p:spTree>
       <p:nvGrpSpPr>
@@ -7945,6 +8010,11 @@
               </a:rPr>
               <a:t>Copyright © 2021 by Elephant Scale, All Rights Reserved</a:t>
             </a:r>
+            <a:endParaRPr sz="800">
+              <a:solidFill>
+                <a:srgbClr val="000000"/>
+              </a:solidFill>
+            </a:endParaRPr>
           </a:p>
         </p:txBody>
       </p:sp>
@@ -7957,7 +8027,7 @@
 </file>
 
 <file path=ppt/slides/slide36.xml><?xml version="1.0" encoding="utf-8"?>
-<p:sld xmlns:a="http://schemas.openxmlformats.org/drawingml/2006/main" xmlns:p="http://schemas.openxmlformats.org/presentationml/2006/main" xmlns:r="http://schemas.openxmlformats.org/officeDocument/2006/relationships">
+<p:sld xmlns:a="http://schemas.openxmlformats.org/drawingml/2006/main" xmlns:r="http://schemas.openxmlformats.org/officeDocument/2006/relationships" xmlns:p="http://schemas.openxmlformats.org/presentationml/2006/main">
   <p:cSld>
     <p:spTree>
       <p:nvGrpSpPr>
@@ -8056,6 +8126,11 @@
               </a:rPr>
               <a:t>Copyright © 2021 by Elephant Scale, All Rights Reserved</a:t>
             </a:r>
+            <a:endParaRPr sz="800">
+              <a:solidFill>
+                <a:srgbClr val="000000"/>
+              </a:solidFill>
+            </a:endParaRPr>
           </a:p>
         </p:txBody>
       </p:sp>
@@ -8068,7 +8143,7 @@
           <p:nvPr/>
         </p:nvPicPr>
         <p:blipFill>
-          <a:blip r:embed="rId2"/>
+          <a:blip r:embed="rId1"/>
           <a:stretch>
             <a:fillRect/>
           </a:stretch>
@@ -8092,7 +8167,7 @@
 </file>
 
 <file path=ppt/slides/slide37.xml><?xml version="1.0" encoding="utf-8"?>
-<p:sld xmlns:a="http://schemas.openxmlformats.org/drawingml/2006/main" xmlns:p="http://schemas.openxmlformats.org/presentationml/2006/main" xmlns:r="http://schemas.openxmlformats.org/officeDocument/2006/relationships">
+<p:sld xmlns:a="http://schemas.openxmlformats.org/drawingml/2006/main" xmlns:r="http://schemas.openxmlformats.org/officeDocument/2006/relationships" xmlns:p="http://schemas.openxmlformats.org/presentationml/2006/main">
   <p:cSld>
     <p:spTree>
       <p:nvGrpSpPr>
@@ -8214,6 +8289,11 @@
               </a:rPr>
               <a:t>Copyright © 2021 by Elephant Scale, All Rights Reserved</a:t>
             </a:r>
+            <a:endParaRPr sz="800">
+              <a:solidFill>
+                <a:srgbClr val="000000"/>
+              </a:solidFill>
+            </a:endParaRPr>
           </a:p>
         </p:txBody>
       </p:sp>
@@ -8226,7 +8306,7 @@
 </file>
 
 <file path=ppt/slides/slide38.xml><?xml version="1.0" encoding="utf-8"?>
-<p:sld xmlns:a="http://schemas.openxmlformats.org/drawingml/2006/main" xmlns:p="http://schemas.openxmlformats.org/presentationml/2006/main" xmlns:r="http://schemas.openxmlformats.org/officeDocument/2006/relationships">
+<p:sld xmlns:a="http://schemas.openxmlformats.org/drawingml/2006/main" xmlns:r="http://schemas.openxmlformats.org/officeDocument/2006/relationships" xmlns:p="http://schemas.openxmlformats.org/presentationml/2006/main">
   <p:cSld>
     <p:spTree>
       <p:nvGrpSpPr>
@@ -8329,6 +8409,11 @@
               </a:rPr>
               <a:t>Copyright © 2021 by Elephant Scale, All Rights Reserved</a:t>
             </a:r>
+            <a:endParaRPr sz="800">
+              <a:solidFill>
+                <a:srgbClr val="000000"/>
+              </a:solidFill>
+            </a:endParaRPr>
           </a:p>
         </p:txBody>
       </p:sp>
@@ -8341,7 +8426,7 @@
 </file>
 
 <file path=ppt/slides/slide39.xml><?xml version="1.0" encoding="utf-8"?>
-<p:sld xmlns:a="http://schemas.openxmlformats.org/drawingml/2006/main" xmlns:p="http://schemas.openxmlformats.org/presentationml/2006/main" xmlns:r="http://schemas.openxmlformats.org/officeDocument/2006/relationships">
+<p:sld xmlns:a="http://schemas.openxmlformats.org/drawingml/2006/main" xmlns:r="http://schemas.openxmlformats.org/officeDocument/2006/relationships" xmlns:p="http://schemas.openxmlformats.org/presentationml/2006/main">
   <p:cSld>
     <p:spTree>
       <p:nvGrpSpPr>
@@ -8474,6 +8559,11 @@
               </a:rPr>
               <a:t>Copyright © 2021 by Elephant Scale, All Rights Reserved</a:t>
             </a:r>
+            <a:endParaRPr sz="800">
+              <a:solidFill>
+                <a:srgbClr val="000000"/>
+              </a:solidFill>
+            </a:endParaRPr>
           </a:p>
         </p:txBody>
       </p:sp>
@@ -8486,7 +8576,7 @@
 </file>
 
 <file path=ppt/slides/slide4.xml><?xml version="1.0" encoding="utf-8"?>
-<p:sld xmlns:a="http://schemas.openxmlformats.org/drawingml/2006/main" xmlns:p="http://schemas.openxmlformats.org/presentationml/2006/main" xmlns:r="http://schemas.openxmlformats.org/officeDocument/2006/relationships">
+<p:sld xmlns:a="http://schemas.openxmlformats.org/drawingml/2006/main" xmlns:r="http://schemas.openxmlformats.org/officeDocument/2006/relationships" xmlns:p="http://schemas.openxmlformats.org/presentationml/2006/main">
   <p:cSld>
     <p:spTree>
       <p:nvGrpSpPr>
@@ -8568,6 +8658,11 @@
               </a:rPr>
               <a:t>Copyright © 2021 by Elephant Scale, All Rights Reserved</a:t>
             </a:r>
+            <a:endParaRPr sz="800">
+              <a:solidFill>
+                <a:srgbClr val="000000"/>
+              </a:solidFill>
+            </a:endParaRPr>
           </a:p>
         </p:txBody>
       </p:sp>
@@ -8580,7 +8675,7 @@
           <p:nvPr/>
         </p:nvPicPr>
         <p:blipFill>
-          <a:blip r:embed="rId2"/>
+          <a:blip r:embed="rId1"/>
           <a:stretch>
             <a:fillRect/>
           </a:stretch>
@@ -8604,7 +8699,7 @@
 </file>
 
 <file path=ppt/slides/slide40.xml><?xml version="1.0" encoding="utf-8"?>
-<p:sld xmlns:a="http://schemas.openxmlformats.org/drawingml/2006/main" xmlns:p="http://schemas.openxmlformats.org/presentationml/2006/main" xmlns:r="http://schemas.openxmlformats.org/officeDocument/2006/relationships">
+<p:sld xmlns:a="http://schemas.openxmlformats.org/drawingml/2006/main" xmlns:r="http://schemas.openxmlformats.org/officeDocument/2006/relationships" xmlns:p="http://schemas.openxmlformats.org/presentationml/2006/main">
   <p:cSld>
     <p:spTree>
       <p:nvGrpSpPr>
@@ -8688,6 +8783,11 @@
               </a:rPr>
               <a:t>Copyright © 2021 by Elephant Scale, All Rights Reserved</a:t>
             </a:r>
+            <a:endParaRPr sz="800">
+              <a:solidFill>
+                <a:srgbClr val="000000"/>
+              </a:solidFill>
+            </a:endParaRPr>
           </a:p>
         </p:txBody>
       </p:sp>
@@ -8700,14 +8800,14 @@
           <p:nvPr/>
         </p:nvPicPr>
         <p:blipFill>
-          <a:blip r:embed="rId2"/>
+          <a:blip r:embed="rId1"/>
           <a:stretch>
             <a:fillRect/>
           </a:stretch>
         </p:blipFill>
         <p:spPr>
           <a:xfrm>
-            <a:off x="704088" y="914400"/>
+            <a:off x="266573" y="1253490"/>
             <a:ext cx="8788400" cy="4610100"/>
           </a:xfrm>
           <a:prstGeom prst="rect">
@@ -8724,7 +8824,7 @@
 </file>
 
 <file path=ppt/slides/slide41.xml><?xml version="1.0" encoding="utf-8"?>
-<p:sld xmlns:a="http://schemas.openxmlformats.org/drawingml/2006/main" xmlns:p="http://schemas.openxmlformats.org/presentationml/2006/main" xmlns:r="http://schemas.openxmlformats.org/officeDocument/2006/relationships">
+<p:sld xmlns:a="http://schemas.openxmlformats.org/drawingml/2006/main" xmlns:r="http://schemas.openxmlformats.org/officeDocument/2006/relationships" xmlns:p="http://schemas.openxmlformats.org/presentationml/2006/main">
   <p:cSld>
     <p:spTree>
       <p:nvGrpSpPr>
@@ -8835,6 +8935,11 @@
               </a:rPr>
               <a:t>Copyright © 2021 by Elephant Scale, All Rights Reserved</a:t>
             </a:r>
+            <a:endParaRPr sz="800">
+              <a:solidFill>
+                <a:srgbClr val="000000"/>
+              </a:solidFill>
+            </a:endParaRPr>
           </a:p>
         </p:txBody>
       </p:sp>
@@ -8847,7 +8952,7 @@
 </file>
 
 <file path=ppt/slides/slide5.xml><?xml version="1.0" encoding="utf-8"?>
-<p:sld xmlns:a="http://schemas.openxmlformats.org/drawingml/2006/main" xmlns:p="http://schemas.openxmlformats.org/presentationml/2006/main" xmlns:r="http://schemas.openxmlformats.org/officeDocument/2006/relationships">
+<p:sld xmlns:a="http://schemas.openxmlformats.org/drawingml/2006/main" xmlns:r="http://schemas.openxmlformats.org/officeDocument/2006/relationships" xmlns:p="http://schemas.openxmlformats.org/presentationml/2006/main">
   <p:cSld>
     <p:spTree>
       <p:nvGrpSpPr>
@@ -8930,6 +9035,11 @@
               </a:rPr>
               <a:t>Copyright © 2021 by Elephant Scale, All Rights Reserved</a:t>
             </a:r>
+            <a:endParaRPr sz="800">
+              <a:solidFill>
+                <a:srgbClr val="000000"/>
+              </a:solidFill>
+            </a:endParaRPr>
           </a:p>
         </p:txBody>
       </p:sp>
@@ -8942,7 +9052,7 @@
           <p:nvPr/>
         </p:nvPicPr>
         <p:blipFill>
-          <a:blip r:embed="rId2"/>
+          <a:blip r:embed="rId1"/>
           <a:stretch>
             <a:fillRect/>
           </a:stretch>
@@ -8966,7 +9076,7 @@
 </file>
 
 <file path=ppt/slides/slide6.xml><?xml version="1.0" encoding="utf-8"?>
-<p:sld xmlns:a="http://schemas.openxmlformats.org/drawingml/2006/main" xmlns:p="http://schemas.openxmlformats.org/presentationml/2006/main" xmlns:r="http://schemas.openxmlformats.org/officeDocument/2006/relationships">
+<p:sld xmlns:a="http://schemas.openxmlformats.org/drawingml/2006/main" xmlns:r="http://schemas.openxmlformats.org/officeDocument/2006/relationships" xmlns:p="http://schemas.openxmlformats.org/presentationml/2006/main">
   <p:cSld>
     <p:spTree>
       <p:nvGrpSpPr>
@@ -9052,6 +9162,11 @@
               </a:rPr>
               <a:t>Copyright © 2021 by Elephant Scale, All Rights Reserved</a:t>
             </a:r>
+            <a:endParaRPr sz="800">
+              <a:solidFill>
+                <a:srgbClr val="000000"/>
+              </a:solidFill>
+            </a:endParaRPr>
           </a:p>
         </p:txBody>
       </p:sp>
@@ -9064,15 +9179,15 @@
           <p:nvPr/>
         </p:nvPicPr>
         <p:blipFill>
-          <a:blip r:embed="rId2"/>
+          <a:blip r:embed="rId1"/>
           <a:stretch>
             <a:fillRect/>
           </a:stretch>
         </p:blipFill>
         <p:spPr>
           <a:xfrm>
-            <a:off x="704088" y="914400"/>
-            <a:ext cx="10299700" cy="5448300"/>
+            <a:off x="704215" y="1984375"/>
+            <a:ext cx="8276590" cy="4378325"/>
           </a:xfrm>
           <a:prstGeom prst="rect">
             <a:avLst/>
@@ -9088,7 +9203,7 @@
 </file>
 
 <file path=ppt/slides/slide7.xml><?xml version="1.0" encoding="utf-8"?>
-<p:sld xmlns:a="http://schemas.openxmlformats.org/drawingml/2006/main" xmlns:p="http://schemas.openxmlformats.org/presentationml/2006/main" xmlns:r="http://schemas.openxmlformats.org/officeDocument/2006/relationships">
+<p:sld xmlns:a="http://schemas.openxmlformats.org/drawingml/2006/main" xmlns:r="http://schemas.openxmlformats.org/officeDocument/2006/relationships" xmlns:p="http://schemas.openxmlformats.org/presentationml/2006/main">
   <p:cSld>
     <p:spTree>
       <p:nvGrpSpPr>
@@ -9175,6 +9290,11 @@
               </a:rPr>
               <a:t>Copyright © 2021 by Elephant Scale, All Rights Reserved</a:t>
             </a:r>
+            <a:endParaRPr sz="800">
+              <a:solidFill>
+                <a:srgbClr val="000000"/>
+              </a:solidFill>
+            </a:endParaRPr>
           </a:p>
         </p:txBody>
       </p:sp>
@@ -9187,15 +9307,15 @@
           <p:nvPr/>
         </p:nvPicPr>
         <p:blipFill>
-          <a:blip r:embed="rId2"/>
+          <a:blip r:embed="rId1"/>
           <a:stretch>
             <a:fillRect/>
           </a:stretch>
         </p:blipFill>
         <p:spPr>
           <a:xfrm>
-            <a:off x="704088" y="914400"/>
-            <a:ext cx="10274300" cy="6299200"/>
+            <a:off x="704215" y="2483485"/>
+            <a:ext cx="7714615" cy="4730115"/>
           </a:xfrm>
           <a:prstGeom prst="rect">
             <a:avLst/>
@@ -9211,7 +9331,7 @@
 </file>
 
 <file path=ppt/slides/slide8.xml><?xml version="1.0" encoding="utf-8"?>
-<p:sld xmlns:a="http://schemas.openxmlformats.org/drawingml/2006/main" xmlns:p="http://schemas.openxmlformats.org/presentationml/2006/main" xmlns:r="http://schemas.openxmlformats.org/officeDocument/2006/relationships">
+<p:sld xmlns:a="http://schemas.openxmlformats.org/drawingml/2006/main" xmlns:r="http://schemas.openxmlformats.org/officeDocument/2006/relationships" xmlns:p="http://schemas.openxmlformats.org/presentationml/2006/main">
   <p:cSld>
     <p:spTree>
       <p:nvGrpSpPr>
@@ -9298,6 +9418,11 @@
               </a:rPr>
               <a:t>Copyright © 2021 by Elephant Scale, All Rights Reserved</a:t>
             </a:r>
+            <a:endParaRPr sz="800">
+              <a:solidFill>
+                <a:srgbClr val="000000"/>
+              </a:solidFill>
+            </a:endParaRPr>
           </a:p>
         </p:txBody>
       </p:sp>
@@ -9310,15 +9435,15 @@
           <p:nvPr/>
         </p:nvPicPr>
         <p:blipFill>
-          <a:blip r:embed="rId2"/>
+          <a:blip r:embed="rId1"/>
           <a:stretch>
             <a:fillRect/>
           </a:stretch>
         </p:blipFill>
         <p:spPr>
           <a:xfrm>
-            <a:off x="704088" y="914400"/>
-            <a:ext cx="10553700" cy="6362700"/>
+            <a:off x="704215" y="2340610"/>
+            <a:ext cx="8187690" cy="4936490"/>
           </a:xfrm>
           <a:prstGeom prst="rect">
             <a:avLst/>
@@ -9334,7 +9459,7 @@
 </file>
 
 <file path=ppt/slides/slide9.xml><?xml version="1.0" encoding="utf-8"?>
-<p:sld xmlns:a="http://schemas.openxmlformats.org/drawingml/2006/main" xmlns:p="http://schemas.openxmlformats.org/presentationml/2006/main" xmlns:r="http://schemas.openxmlformats.org/officeDocument/2006/relationships">
+<p:sld xmlns:a="http://schemas.openxmlformats.org/drawingml/2006/main" xmlns:r="http://schemas.openxmlformats.org/officeDocument/2006/relationships" xmlns:p="http://schemas.openxmlformats.org/presentationml/2006/main">
   <p:cSld>
     <p:spTree>
       <p:nvGrpSpPr>
@@ -9422,6 +9547,11 @@
               </a:rPr>
               <a:t>Copyright © 2021 by Elephant Scale, All Rights Reserved</a:t>
             </a:r>
+            <a:endParaRPr sz="800">
+              <a:solidFill>
+                <a:srgbClr val="000000"/>
+              </a:solidFill>
+            </a:endParaRPr>
           </a:p>
         </p:txBody>
       </p:sp>
@@ -9434,14 +9564,14 @@
           <p:nvPr/>
         </p:nvPicPr>
         <p:blipFill>
-          <a:blip r:embed="rId2"/>
+          <a:blip r:embed="rId1"/>
           <a:stretch>
             <a:fillRect/>
           </a:stretch>
         </p:blipFill>
         <p:spPr>
           <a:xfrm>
-            <a:off x="704088" y="914400"/>
+            <a:off x="799973" y="1710690"/>
             <a:ext cx="7915275" cy="5248275"/>
           </a:xfrm>
           <a:prstGeom prst="rect">
@@ -9700,13 +9830,8 @@
           <a:headEnd type="none" w="med" len="med"/>
           <a:tailEnd type="none" w="med" len="med"/>
         </a:ln>
-        <a:effectLst/>
       </a:spPr>
-      <a:bodyPr vert="horz" wrap="square" lIns="91440" tIns="45720" rIns="91440" bIns="45720" numCol="1" anchor="t" anchorCtr="0" compatLnSpc="1">
-        <a:prstTxWarp prst="textNoShape">
-          <a:avLst/>
-        </a:prstTxWarp>
-      </a:bodyPr>
+      <a:bodyPr vert="horz" wrap="square" lIns="91440" tIns="45720" rIns="91440" bIns="45720" numCol="1" anchor="t" anchorCtr="0" compatLnSpc="1"/>
       <a:lstStyle>
         <a:defPPr marL="0" marR="0" indent="0" algn="ctr" defTabSz="914400" rtl="0" eaLnBrk="1" fontAlgn="base" latinLnBrk="0" hangingPunct="1">
           <a:lnSpc>
@@ -9722,7 +9847,6 @@
           <a:buSzTx/>
           <a:buFontTx/>
           <a:buNone/>
-          <a:tabLst/>
           <a:defRPr kumimoji="0" lang="en-US" sz="1000" b="0" i="0" u="none" strike="noStrike" cap="none" normalizeH="0" baseline="0">
             <a:ln>
               <a:noFill/>
@@ -9731,7 +9855,7 @@
               <a:schemeClr val="tx1"/>
             </a:solidFill>
             <a:effectLst/>
-            <a:latin typeface="Garamond" pitchFamily="-110" charset="0"/>
+            <a:latin typeface="Garamond" pitchFamily="18" charset="0"/>
           </a:defRPr>
         </a:defPPr>
       </a:lstStyle>
@@ -9762,13 +9886,8 @@
           <a:headEnd type="none" w="med" len="med"/>
           <a:tailEnd type="none" w="med" len="med"/>
         </a:ln>
-        <a:effectLst/>
       </a:spPr>
-      <a:bodyPr vert="horz" wrap="square" lIns="91440" tIns="45720" rIns="91440" bIns="45720" numCol="1" anchor="t" anchorCtr="0" compatLnSpc="1">
-        <a:prstTxWarp prst="textNoShape">
-          <a:avLst/>
-        </a:prstTxWarp>
-      </a:bodyPr>
+      <a:bodyPr vert="horz" wrap="square" lIns="91440" tIns="45720" rIns="91440" bIns="45720" numCol="1" anchor="t" anchorCtr="0" compatLnSpc="1"/>
       <a:lstStyle>
         <a:defPPr marL="0" marR="0" indent="0" algn="ctr" defTabSz="914400" rtl="0" eaLnBrk="1" fontAlgn="base" latinLnBrk="0" hangingPunct="1">
           <a:lnSpc>
@@ -9784,7 +9903,6 @@
           <a:buSzTx/>
           <a:buFontTx/>
           <a:buNone/>
-          <a:tabLst/>
           <a:defRPr kumimoji="0" lang="en-US" sz="1000" b="0" i="0" u="none" strike="noStrike" cap="none" normalizeH="0" baseline="0">
             <a:ln>
               <a:noFill/>
@@ -9793,7 +9911,7 @@
               <a:schemeClr val="tx1"/>
             </a:solidFill>
             <a:effectLst/>
-            <a:latin typeface="Garamond" pitchFamily="-110" charset="0"/>
+            <a:latin typeface="Garamond" pitchFamily="18" charset="0"/>
           </a:defRPr>
         </a:defPPr>
       </a:lstStyle>
@@ -10088,6 +10206,11 @@
       <a:clrMap bg1="dk2" tx1="lt1" bg2="dk1" tx2="lt2" accent1="accent1" accent2="accent2" accent3="accent3" accent4="accent4" accent5="accent5" accent6="accent6" hlink="hlink" folHlink="folHlink"/>
     </a:extraClrScheme>
   </a:extraClrSchemeLst>
+  <a:extLst>
+    <a:ext uri="{05A4C25C-085E-4340-85A3-A5531E510DB2}">
+      <thm15:themeFamily xmlns:thm15="http://schemas.microsoft.com/office/thememl/2012/main" name="Office Theme" id="{62F939B6-93AF-4DB8-9C6B-D6C7DFDC589F}" vid="{4A3C46E8-61CC-4603-A589-7422A47A8E4A}"/>
+    </a:ext>
+  </a:extLst>
 </a:theme>
 </file>
 
@@ -10405,7 +10528,11 @@
       </a:style>
     </a:lnDef>
   </a:objectDefaults>
-  <a:extraClrSchemeLst/>
+  <a:extLst>
+    <a:ext uri="{05A4C25C-085E-4340-85A3-A5531E510DB2}">
+      <thm15:themeFamily xmlns:thm15="http://schemas.microsoft.com/office/thememl/2012/main" name="Office Theme" id="{62F939B6-93AF-4DB8-9C6B-D6C7DFDC589F}" vid="{4A3C46E8-61CC-4603-A589-7422A47A8E4A}"/>
+    </a:ext>
+  </a:extLst>
 </a:theme>
 </file>
 
@@ -10723,6 +10850,10 @@
       </a:style>
     </a:lnDef>
   </a:objectDefaults>
-  <a:extraClrSchemeLst/>
+  <a:extLst>
+    <a:ext uri="{05A4C25C-085E-4340-85A3-A5531E510DB2}">
+      <thm15:themeFamily xmlns:thm15="http://schemas.microsoft.com/office/thememl/2012/main" name="Office Theme" id="{62F939B6-93AF-4DB8-9C6B-D6C7DFDC589F}" vid="{4A3C46E8-61CC-4603-A589-7422A47A8E4A}"/>
+    </a:ext>
+  </a:extLst>
 </a:theme>
 </file>